--- a/Dokumentumok/Dusza workshop 2.pptx
+++ b/Dokumentumok/Dusza workshop 2.pptx
@@ -12,6 +12,7 @@
     <p:sldId id="260" r:id="rId6"/>
     <p:sldId id="261" r:id="rId7"/>
     <p:sldId id="262" r:id="rId8"/>
+    <p:sldId id="263" r:id="rId9"/>
   </p:sldIdLst>
   <p:sldSz cx="12192000" cy="6858000"/>
   <p:notesSz cx="6858000" cy="9144000"/>
@@ -168,7 +169,7 @@
           <a:noFill/>
           <a:extLst>
             <a:ext uri="{909E8E84-426E-40dd-AFC4-6F175D3DCCD1}">
-              <a14:hiddenFill xmlns="" xmlns:a14="http://schemas.microsoft.com/office/drawing/2010/main">
+              <a14:hiddenFill xmlns:a14="http://schemas.microsoft.com/office/drawing/2010/main" xmlns="">
                 <a:solidFill>
                   <a:srgbClr val="FFFFFF"/>
                 </a:solidFill>
@@ -228,7 +229,7 @@
             </a:ln>
             <a:extLst>
               <a:ext uri="{91240B29-F687-4f45-9708-019B960494DF}">
-                <a14:hiddenLine xmlns="" xmlns:a14="http://schemas.microsoft.com/office/drawing/2010/main" w="9525">
+                <a14:hiddenLine xmlns:a14="http://schemas.microsoft.com/office/drawing/2010/main" xmlns="" w="9525">
                   <a:solidFill>
                     <a:srgbClr val="000000"/>
                   </a:solidFill>
@@ -318,7 +319,7 @@
             </a:ln>
             <a:extLst>
               <a:ext uri="{91240B29-F687-4f45-9708-019B960494DF}">
-                <a14:hiddenLine xmlns="" xmlns:a14="http://schemas.microsoft.com/office/drawing/2010/main" w="9525">
+                <a14:hiddenLine xmlns:a14="http://schemas.microsoft.com/office/drawing/2010/main" xmlns="" w="9525">
                   <a:solidFill>
                     <a:srgbClr val="000000"/>
                   </a:solidFill>
@@ -408,7 +409,7 @@
             </a:ln>
             <a:extLst>
               <a:ext uri="{91240B29-F687-4f45-9708-019B960494DF}">
-                <a14:hiddenLine xmlns="" xmlns:a14="http://schemas.microsoft.com/office/drawing/2010/main" w="9525">
+                <a14:hiddenLine xmlns:a14="http://schemas.microsoft.com/office/drawing/2010/main" xmlns="" w="9525">
                   <a:solidFill>
                     <a:srgbClr val="000000"/>
                   </a:solidFill>
@@ -442,7 +443,7 @@
             </a:ln>
             <a:extLst>
               <a:ext uri="{91240B29-F687-4f45-9708-019B960494DF}">
-                <a14:hiddenLine xmlns="" xmlns:a14="http://schemas.microsoft.com/office/drawing/2010/main" w="9525">
+                <a14:hiddenLine xmlns:a14="http://schemas.microsoft.com/office/drawing/2010/main" xmlns="" w="9525">
                   <a:solidFill>
                     <a:srgbClr val="000000"/>
                   </a:solidFill>
@@ -532,7 +533,7 @@
             </a:ln>
             <a:extLst>
               <a:ext uri="{91240B29-F687-4f45-9708-019B960494DF}">
-                <a14:hiddenLine xmlns="" xmlns:a14="http://schemas.microsoft.com/office/drawing/2010/main" w="9525">
+                <a14:hiddenLine xmlns:a14="http://schemas.microsoft.com/office/drawing/2010/main" xmlns="" w="9525">
                   <a:solidFill>
                     <a:srgbClr val="000000"/>
                   </a:solidFill>
@@ -594,7 +595,7 @@
             </a:ln>
             <a:extLst>
               <a:ext uri="{91240B29-F687-4f45-9708-019B960494DF}">
-                <a14:hiddenLine xmlns="" xmlns:a14="http://schemas.microsoft.com/office/drawing/2010/main" w="9525">
+                <a14:hiddenLine xmlns:a14="http://schemas.microsoft.com/office/drawing/2010/main" xmlns="" w="9525">
                   <a:solidFill>
                     <a:srgbClr val="000000"/>
                   </a:solidFill>
@@ -656,7 +657,7 @@
             </a:ln>
             <a:extLst>
               <a:ext uri="{91240B29-F687-4f45-9708-019B960494DF}">
-                <a14:hiddenLine xmlns="" xmlns:a14="http://schemas.microsoft.com/office/drawing/2010/main" w="9525">
+                <a14:hiddenLine xmlns:a14="http://schemas.microsoft.com/office/drawing/2010/main" xmlns="" w="9525">
                   <a:solidFill>
                     <a:srgbClr val="000000"/>
                   </a:solidFill>
@@ -746,7 +747,7 @@
             </a:ln>
             <a:extLst>
               <a:ext uri="{91240B29-F687-4f45-9708-019B960494DF}">
-                <a14:hiddenLine xmlns="" xmlns:a14="http://schemas.microsoft.com/office/drawing/2010/main" w="9525">
+                <a14:hiddenLine xmlns:a14="http://schemas.microsoft.com/office/drawing/2010/main" xmlns="" w="9525">
                   <a:solidFill>
                     <a:srgbClr val="000000"/>
                   </a:solidFill>
@@ -808,7 +809,7 @@
             </a:ln>
             <a:extLst>
               <a:ext uri="{91240B29-F687-4f45-9708-019B960494DF}">
-                <a14:hiddenLine xmlns="" xmlns:a14="http://schemas.microsoft.com/office/drawing/2010/main" w="9525">
+                <a14:hiddenLine xmlns:a14="http://schemas.microsoft.com/office/drawing/2010/main" xmlns="" w="9525">
                   <a:solidFill>
                     <a:srgbClr val="000000"/>
                   </a:solidFill>
@@ -870,7 +871,7 @@
             </a:ln>
             <a:extLst>
               <a:ext uri="{91240B29-F687-4f45-9708-019B960494DF}">
-                <a14:hiddenLine xmlns="" xmlns:a14="http://schemas.microsoft.com/office/drawing/2010/main" w="9525">
+                <a14:hiddenLine xmlns:a14="http://schemas.microsoft.com/office/drawing/2010/main" xmlns="" w="9525">
                   <a:solidFill>
                     <a:srgbClr val="000000"/>
                   </a:solidFill>
@@ -960,7 +961,7 @@
             </a:ln>
             <a:extLst>
               <a:ext uri="{91240B29-F687-4f45-9708-019B960494DF}">
-                <a14:hiddenLine xmlns="" xmlns:a14="http://schemas.microsoft.com/office/drawing/2010/main" w="9525">
+                <a14:hiddenLine xmlns:a14="http://schemas.microsoft.com/office/drawing/2010/main" xmlns="" w="9525">
                   <a:solidFill>
                     <a:srgbClr val="000000"/>
                   </a:solidFill>
@@ -1050,7 +1051,7 @@
             </a:ln>
             <a:extLst>
               <a:ext uri="{91240B29-F687-4f45-9708-019B960494DF}">
-                <a14:hiddenLine xmlns="" xmlns:a14="http://schemas.microsoft.com/office/drawing/2010/main" w="9525">
+                <a14:hiddenLine xmlns:a14="http://schemas.microsoft.com/office/drawing/2010/main" xmlns="" w="9525">
                   <a:solidFill>
                     <a:srgbClr val="000000"/>
                   </a:solidFill>
@@ -1112,7 +1113,7 @@
             </a:ln>
             <a:extLst>
               <a:ext uri="{91240B29-F687-4f45-9708-019B960494DF}">
-                <a14:hiddenLine xmlns="" xmlns:a14="http://schemas.microsoft.com/office/drawing/2010/main" w="9525">
+                <a14:hiddenLine xmlns:a14="http://schemas.microsoft.com/office/drawing/2010/main" xmlns="" w="9525">
                   <a:solidFill>
                     <a:srgbClr val="000000"/>
                   </a:solidFill>
@@ -1222,7 +1223,7 @@
             </a:ln>
             <a:extLst>
               <a:ext uri="{91240B29-F687-4f45-9708-019B960494DF}">
-                <a14:hiddenLine xmlns="" xmlns:a14="http://schemas.microsoft.com/office/drawing/2010/main" w="9525">
+                <a14:hiddenLine xmlns:a14="http://schemas.microsoft.com/office/drawing/2010/main" xmlns="" w="9525">
                   <a:solidFill>
                     <a:srgbClr val="000000"/>
                   </a:solidFill>
@@ -1284,7 +1285,7 @@
             </a:ln>
             <a:extLst>
               <a:ext uri="{91240B29-F687-4f45-9708-019B960494DF}">
-                <a14:hiddenLine xmlns="" xmlns:a14="http://schemas.microsoft.com/office/drawing/2010/main" w="9525">
+                <a14:hiddenLine xmlns:a14="http://schemas.microsoft.com/office/drawing/2010/main" xmlns="" w="9525">
                   <a:solidFill>
                     <a:srgbClr val="000000"/>
                   </a:solidFill>
@@ -1374,7 +1375,7 @@
             </a:ln>
             <a:extLst>
               <a:ext uri="{91240B29-F687-4f45-9708-019B960494DF}">
-                <a14:hiddenLine xmlns="" xmlns:a14="http://schemas.microsoft.com/office/drawing/2010/main" w="9525">
+                <a14:hiddenLine xmlns:a14="http://schemas.microsoft.com/office/drawing/2010/main" xmlns="" w="9525">
                   <a:solidFill>
                     <a:srgbClr val="000000"/>
                   </a:solidFill>
@@ -1464,7 +1465,7 @@
             </a:ln>
             <a:extLst>
               <a:ext uri="{91240B29-F687-4f45-9708-019B960494DF}">
-                <a14:hiddenLine xmlns="" xmlns:a14="http://schemas.microsoft.com/office/drawing/2010/main" w="9525">
+                <a14:hiddenLine xmlns:a14="http://schemas.microsoft.com/office/drawing/2010/main" xmlns="" w="9525">
                   <a:solidFill>
                     <a:srgbClr val="000000"/>
                   </a:solidFill>
@@ -1526,7 +1527,7 @@
             </a:ln>
             <a:extLst>
               <a:ext uri="{91240B29-F687-4f45-9708-019B960494DF}">
-                <a14:hiddenLine xmlns="" xmlns:a14="http://schemas.microsoft.com/office/drawing/2010/main" w="9525">
+                <a14:hiddenLine xmlns:a14="http://schemas.microsoft.com/office/drawing/2010/main" xmlns="" w="9525">
                   <a:solidFill>
                     <a:srgbClr val="000000"/>
                   </a:solidFill>
@@ -1616,7 +1617,7 @@
             </a:ln>
             <a:extLst>
               <a:ext uri="{91240B29-F687-4f45-9708-019B960494DF}">
-                <a14:hiddenLine xmlns="" xmlns:a14="http://schemas.microsoft.com/office/drawing/2010/main" w="9525">
+                <a14:hiddenLine xmlns:a14="http://schemas.microsoft.com/office/drawing/2010/main" xmlns="" w="9525">
                   <a:solidFill>
                     <a:srgbClr val="000000"/>
                   </a:solidFill>
@@ -1706,7 +1707,7 @@
             </a:ln>
             <a:extLst>
               <a:ext uri="{91240B29-F687-4f45-9708-019B960494DF}">
-                <a14:hiddenLine xmlns="" xmlns:a14="http://schemas.microsoft.com/office/drawing/2010/main" w="9525">
+                <a14:hiddenLine xmlns:a14="http://schemas.microsoft.com/office/drawing/2010/main" xmlns="" w="9525">
                   <a:solidFill>
                     <a:srgbClr val="000000"/>
                   </a:solidFill>
@@ -1762,7 +1763,7 @@
             </a:ln>
             <a:extLst>
               <a:ext uri="{91240B29-F687-4f45-9708-019B960494DF}">
-                <a14:hiddenLine xmlns="" xmlns:a14="http://schemas.microsoft.com/office/drawing/2010/main" w="9525">
+                <a14:hiddenLine xmlns:a14="http://schemas.microsoft.com/office/drawing/2010/main" xmlns="" w="9525">
                   <a:solidFill>
                     <a:srgbClr val="000000"/>
                   </a:solidFill>
@@ -1852,7 +1853,7 @@
             </a:ln>
             <a:extLst>
               <a:ext uri="{91240B29-F687-4f45-9708-019B960494DF}">
-                <a14:hiddenLine xmlns="" xmlns:a14="http://schemas.microsoft.com/office/drawing/2010/main" w="9525">
+                <a14:hiddenLine xmlns:a14="http://schemas.microsoft.com/office/drawing/2010/main" xmlns="" w="9525">
                   <a:solidFill>
                     <a:srgbClr val="000000"/>
                   </a:solidFill>
@@ -1908,7 +1909,7 @@
             </a:ln>
             <a:extLst>
               <a:ext uri="{91240B29-F687-4f45-9708-019B960494DF}">
-                <a14:hiddenLine xmlns="" xmlns:a14="http://schemas.microsoft.com/office/drawing/2010/main" w="9525">
+                <a14:hiddenLine xmlns:a14="http://schemas.microsoft.com/office/drawing/2010/main" xmlns="" w="9525">
                   <a:solidFill>
                     <a:srgbClr val="000000"/>
                   </a:solidFill>
@@ -1998,7 +1999,7 @@
             </a:ln>
             <a:extLst>
               <a:ext uri="{91240B29-F687-4f45-9708-019B960494DF}">
-                <a14:hiddenLine xmlns="" xmlns:a14="http://schemas.microsoft.com/office/drawing/2010/main" w="9525">
+                <a14:hiddenLine xmlns:a14="http://schemas.microsoft.com/office/drawing/2010/main" xmlns="" w="9525">
                   <a:solidFill>
                     <a:srgbClr val="000000"/>
                   </a:solidFill>
@@ -2066,7 +2067,7 @@
             </a:ln>
             <a:extLst>
               <a:ext uri="{91240B29-F687-4f45-9708-019B960494DF}">
-                <a14:hiddenLine xmlns="" xmlns:a14="http://schemas.microsoft.com/office/drawing/2010/main" w="9525">
+                <a14:hiddenLine xmlns:a14="http://schemas.microsoft.com/office/drawing/2010/main" xmlns="" w="9525">
                   <a:solidFill>
                     <a:srgbClr val="000000"/>
                   </a:solidFill>
@@ -2156,7 +2157,7 @@
             </a:ln>
             <a:extLst>
               <a:ext uri="{91240B29-F687-4f45-9708-019B960494DF}">
-                <a14:hiddenLine xmlns="" xmlns:a14="http://schemas.microsoft.com/office/drawing/2010/main" w="9525">
+                <a14:hiddenLine xmlns:a14="http://schemas.microsoft.com/office/drawing/2010/main" xmlns="" w="9525">
                   <a:solidFill>
                     <a:srgbClr val="000000"/>
                   </a:solidFill>
@@ -2224,7 +2225,7 @@
             </a:ln>
             <a:extLst>
               <a:ext uri="{91240B29-F687-4f45-9708-019B960494DF}">
-                <a14:hiddenLine xmlns="" xmlns:a14="http://schemas.microsoft.com/office/drawing/2010/main" w="9525">
+                <a14:hiddenLine xmlns:a14="http://schemas.microsoft.com/office/drawing/2010/main" xmlns="" w="9525">
                   <a:solidFill>
                     <a:srgbClr val="000000"/>
                   </a:solidFill>
@@ -2314,7 +2315,7 @@
             </a:ln>
             <a:extLst>
               <a:ext uri="{91240B29-F687-4f45-9708-019B960494DF}">
-                <a14:hiddenLine xmlns="" xmlns:a14="http://schemas.microsoft.com/office/drawing/2010/main" w="9525">
+                <a14:hiddenLine xmlns:a14="http://schemas.microsoft.com/office/drawing/2010/main" xmlns="" w="9525">
                   <a:solidFill>
                     <a:srgbClr val="000000"/>
                   </a:solidFill>
@@ -2348,7 +2349,7 @@
             </a:ln>
             <a:extLst>
               <a:ext uri="{91240B29-F687-4f45-9708-019B960494DF}">
-                <a14:hiddenLine xmlns="" xmlns:a14="http://schemas.microsoft.com/office/drawing/2010/main" w="9525">
+                <a14:hiddenLine xmlns:a14="http://schemas.microsoft.com/office/drawing/2010/main" xmlns="" w="9525">
                   <a:solidFill>
                     <a:srgbClr val="000000"/>
                   </a:solidFill>
@@ -2438,7 +2439,7 @@
             </a:ln>
             <a:extLst>
               <a:ext uri="{91240B29-F687-4f45-9708-019B960494DF}">
-                <a14:hiddenLine xmlns="" xmlns:a14="http://schemas.microsoft.com/office/drawing/2010/main" w="9525">
+                <a14:hiddenLine xmlns:a14="http://schemas.microsoft.com/office/drawing/2010/main" xmlns="" w="9525">
                   <a:solidFill>
                     <a:srgbClr val="000000"/>
                   </a:solidFill>
@@ -2500,7 +2501,7 @@
             </a:ln>
             <a:extLst>
               <a:ext uri="{91240B29-F687-4f45-9708-019B960494DF}">
-                <a14:hiddenLine xmlns="" xmlns:a14="http://schemas.microsoft.com/office/drawing/2010/main" w="9525">
+                <a14:hiddenLine xmlns:a14="http://schemas.microsoft.com/office/drawing/2010/main" xmlns="" w="9525">
                   <a:solidFill>
                     <a:srgbClr val="000000"/>
                   </a:solidFill>
@@ -2562,7 +2563,7 @@
             </a:ln>
             <a:extLst>
               <a:ext uri="{91240B29-F687-4f45-9708-019B960494DF}">
-                <a14:hiddenLine xmlns="" xmlns:a14="http://schemas.microsoft.com/office/drawing/2010/main" w="9525">
+                <a14:hiddenLine xmlns:a14="http://schemas.microsoft.com/office/drawing/2010/main" xmlns="" w="9525">
                   <a:solidFill>
                     <a:srgbClr val="000000"/>
                   </a:solidFill>
@@ -2652,7 +2653,7 @@
             </a:ln>
             <a:extLst>
               <a:ext uri="{91240B29-F687-4f45-9708-019B960494DF}">
-                <a14:hiddenLine xmlns="" xmlns:a14="http://schemas.microsoft.com/office/drawing/2010/main" w="9525">
+                <a14:hiddenLine xmlns:a14="http://schemas.microsoft.com/office/drawing/2010/main" xmlns="" w="9525">
                   <a:solidFill>
                     <a:srgbClr val="000000"/>
                   </a:solidFill>
@@ -2720,7 +2721,7 @@
             </a:ln>
             <a:extLst>
               <a:ext uri="{91240B29-F687-4f45-9708-019B960494DF}">
-                <a14:hiddenLine xmlns="" xmlns:a14="http://schemas.microsoft.com/office/drawing/2010/main" w="9525">
+                <a14:hiddenLine xmlns:a14="http://schemas.microsoft.com/office/drawing/2010/main" xmlns="" w="9525">
                   <a:solidFill>
                     <a:srgbClr val="000000"/>
                   </a:solidFill>
@@ -2782,7 +2783,7 @@
             </a:ln>
             <a:extLst>
               <a:ext uri="{91240B29-F687-4f45-9708-019B960494DF}">
-                <a14:hiddenLine xmlns="" xmlns:a14="http://schemas.microsoft.com/office/drawing/2010/main" w="9525">
+                <a14:hiddenLine xmlns:a14="http://schemas.microsoft.com/office/drawing/2010/main" xmlns="" w="9525">
                   <a:solidFill>
                     <a:srgbClr val="000000"/>
                   </a:solidFill>
@@ -2872,7 +2873,7 @@
             </a:ln>
             <a:extLst>
               <a:ext uri="{91240B29-F687-4f45-9708-019B960494DF}">
-                <a14:hiddenLine xmlns="" xmlns:a14="http://schemas.microsoft.com/office/drawing/2010/main" w="9525">
+                <a14:hiddenLine xmlns:a14="http://schemas.microsoft.com/office/drawing/2010/main" xmlns="" w="9525">
                   <a:solidFill>
                     <a:srgbClr val="000000"/>
                   </a:solidFill>
@@ -2934,7 +2935,7 @@
             </a:ln>
             <a:extLst>
               <a:ext uri="{91240B29-F687-4f45-9708-019B960494DF}">
-                <a14:hiddenLine xmlns="" xmlns:a14="http://schemas.microsoft.com/office/drawing/2010/main" w="9525">
+                <a14:hiddenLine xmlns:a14="http://schemas.microsoft.com/office/drawing/2010/main" xmlns="" w="9525">
                   <a:solidFill>
                     <a:srgbClr val="000000"/>
                   </a:solidFill>
@@ -3024,7 +3025,7 @@
             </a:ln>
             <a:extLst>
               <a:ext uri="{91240B29-F687-4f45-9708-019B960494DF}">
-                <a14:hiddenLine xmlns="" xmlns:a14="http://schemas.microsoft.com/office/drawing/2010/main" w="9525">
+                <a14:hiddenLine xmlns:a14="http://schemas.microsoft.com/office/drawing/2010/main" xmlns="" w="9525">
                   <a:solidFill>
                     <a:srgbClr val="000000"/>
                   </a:solidFill>
@@ -3086,7 +3087,7 @@
             </a:ln>
             <a:extLst>
               <a:ext uri="{91240B29-F687-4f45-9708-019B960494DF}">
-                <a14:hiddenLine xmlns="" xmlns:a14="http://schemas.microsoft.com/office/drawing/2010/main" w="9525">
+                <a14:hiddenLine xmlns:a14="http://schemas.microsoft.com/office/drawing/2010/main" xmlns="" w="9525">
                   <a:solidFill>
                     <a:srgbClr val="000000"/>
                   </a:solidFill>
@@ -3176,7 +3177,7 @@
             </a:ln>
             <a:extLst>
               <a:ext uri="{91240B29-F687-4f45-9708-019B960494DF}">
-                <a14:hiddenLine xmlns="" xmlns:a14="http://schemas.microsoft.com/office/drawing/2010/main" w="9525">
+                <a14:hiddenLine xmlns:a14="http://schemas.microsoft.com/office/drawing/2010/main" xmlns="" w="9525">
                   <a:solidFill>
                     <a:srgbClr val="000000"/>
                   </a:solidFill>
@@ -3210,7 +3211,7 @@
             </a:ln>
             <a:extLst>
               <a:ext uri="{91240B29-F687-4f45-9708-019B960494DF}">
-                <a14:hiddenLine xmlns="" xmlns:a14="http://schemas.microsoft.com/office/drawing/2010/main" w="9525">
+                <a14:hiddenLine xmlns:a14="http://schemas.microsoft.com/office/drawing/2010/main" xmlns="" w="9525">
                   <a:solidFill>
                     <a:srgbClr val="000000"/>
                   </a:solidFill>
@@ -3275,7 +3276,7 @@
             </a:ln>
             <a:extLst>
               <a:ext uri="{91240B29-F687-4f45-9708-019B960494DF}">
-                <a14:hiddenLine xmlns="" xmlns:a14="http://schemas.microsoft.com/office/drawing/2010/main" w="9525">
+                <a14:hiddenLine xmlns:a14="http://schemas.microsoft.com/office/drawing/2010/main" xmlns="" w="9525">
                   <a:solidFill>
                     <a:srgbClr val="000000"/>
                   </a:solidFill>
@@ -3365,7 +3366,7 @@
             </a:ln>
             <a:extLst>
               <a:ext uri="{91240B29-F687-4f45-9708-019B960494DF}">
-                <a14:hiddenLine xmlns="" xmlns:a14="http://schemas.microsoft.com/office/drawing/2010/main" w="9525">
+                <a14:hiddenLine xmlns:a14="http://schemas.microsoft.com/office/drawing/2010/main" xmlns="" w="9525">
                   <a:solidFill>
                     <a:srgbClr val="000000"/>
                   </a:solidFill>
@@ -3427,7 +3428,7 @@
             </a:ln>
             <a:extLst>
               <a:ext uri="{91240B29-F687-4f45-9708-019B960494DF}">
-                <a14:hiddenLine xmlns="" xmlns:a14="http://schemas.microsoft.com/office/drawing/2010/main" w="9525">
+                <a14:hiddenLine xmlns:a14="http://schemas.microsoft.com/office/drawing/2010/main" xmlns="" w="9525">
                   <a:solidFill>
                     <a:srgbClr val="000000"/>
                   </a:solidFill>
@@ -3517,7 +3518,7 @@
             </a:ln>
             <a:extLst>
               <a:ext uri="{91240B29-F687-4f45-9708-019B960494DF}">
-                <a14:hiddenLine xmlns="" xmlns:a14="http://schemas.microsoft.com/office/drawing/2010/main" w="9525">
+                <a14:hiddenLine xmlns:a14="http://schemas.microsoft.com/office/drawing/2010/main" xmlns="" w="9525">
                   <a:solidFill>
                     <a:srgbClr val="000000"/>
                   </a:solidFill>
@@ -3607,7 +3608,7 @@
             </a:ln>
             <a:extLst>
               <a:ext uri="{91240B29-F687-4f45-9708-019B960494DF}">
-                <a14:hiddenLine xmlns="" xmlns:a14="http://schemas.microsoft.com/office/drawing/2010/main" w="9525">
+                <a14:hiddenLine xmlns:a14="http://schemas.microsoft.com/office/drawing/2010/main" xmlns="" w="9525">
                   <a:solidFill>
                     <a:srgbClr val="000000"/>
                   </a:solidFill>
@@ -3672,7 +3673,7 @@
             </a:ln>
             <a:extLst>
               <a:ext uri="{91240B29-F687-4f45-9708-019B960494DF}">
-                <a14:hiddenLine xmlns="" xmlns:a14="http://schemas.microsoft.com/office/drawing/2010/main" w="9525">
+                <a14:hiddenLine xmlns:a14="http://schemas.microsoft.com/office/drawing/2010/main" xmlns="" w="9525">
                   <a:solidFill>
                     <a:srgbClr val="000000"/>
                   </a:solidFill>
@@ -3734,7 +3735,7 @@
             </a:ln>
             <a:extLst>
               <a:ext uri="{91240B29-F687-4f45-9708-019B960494DF}">
-                <a14:hiddenLine xmlns="" xmlns:a14="http://schemas.microsoft.com/office/drawing/2010/main" w="9525">
+                <a14:hiddenLine xmlns:a14="http://schemas.microsoft.com/office/drawing/2010/main" xmlns="" w="9525">
                   <a:solidFill>
                     <a:srgbClr val="000000"/>
                   </a:solidFill>
@@ -3824,7 +3825,7 @@
             </a:ln>
             <a:extLst>
               <a:ext uri="{91240B29-F687-4f45-9708-019B960494DF}">
-                <a14:hiddenLine xmlns="" xmlns:a14="http://schemas.microsoft.com/office/drawing/2010/main" w="9525">
+                <a14:hiddenLine xmlns:a14="http://schemas.microsoft.com/office/drawing/2010/main" xmlns="" w="9525">
                   <a:solidFill>
                     <a:srgbClr val="000000"/>
                   </a:solidFill>
@@ -3914,7 +3915,7 @@
             </a:ln>
             <a:extLst>
               <a:ext uri="{91240B29-F687-4f45-9708-019B960494DF}">
-                <a14:hiddenLine xmlns="" xmlns:a14="http://schemas.microsoft.com/office/drawing/2010/main" w="9525">
+                <a14:hiddenLine xmlns:a14="http://schemas.microsoft.com/office/drawing/2010/main" xmlns="" w="9525">
                   <a:solidFill>
                     <a:srgbClr val="000000"/>
                   </a:solidFill>
@@ -3976,7 +3977,7 @@
             </a:ln>
             <a:extLst>
               <a:ext uri="{91240B29-F687-4f45-9708-019B960494DF}">
-                <a14:hiddenLine xmlns="" xmlns:a14="http://schemas.microsoft.com/office/drawing/2010/main" w="9525">
+                <a14:hiddenLine xmlns:a14="http://schemas.microsoft.com/office/drawing/2010/main" xmlns="" w="9525">
                   <a:solidFill>
                     <a:srgbClr val="000000"/>
                   </a:solidFill>
@@ -4096,7 +4097,7 @@
             </a:ln>
             <a:extLst>
               <a:ext uri="{91240B29-F687-4f45-9708-019B960494DF}">
-                <a14:hiddenLine xmlns="" xmlns:a14="http://schemas.microsoft.com/office/drawing/2010/main" w="9525">
+                <a14:hiddenLine xmlns:a14="http://schemas.microsoft.com/office/drawing/2010/main" xmlns="" w="9525">
                   <a:solidFill>
                     <a:srgbClr val="000000"/>
                   </a:solidFill>
@@ -4164,7 +4165,7 @@
             </a:ln>
             <a:extLst>
               <a:ext uri="{91240B29-F687-4f45-9708-019B960494DF}">
-                <a14:hiddenLine xmlns="" xmlns:a14="http://schemas.microsoft.com/office/drawing/2010/main" w="9525">
+                <a14:hiddenLine xmlns:a14="http://schemas.microsoft.com/office/drawing/2010/main" xmlns="" w="9525">
                   <a:solidFill>
                     <a:srgbClr val="000000"/>
                   </a:solidFill>
@@ -4254,7 +4255,7 @@
             </a:ln>
             <a:extLst>
               <a:ext uri="{91240B29-F687-4f45-9708-019B960494DF}">
-                <a14:hiddenLine xmlns="" xmlns:a14="http://schemas.microsoft.com/office/drawing/2010/main" w="9525">
+                <a14:hiddenLine xmlns:a14="http://schemas.microsoft.com/office/drawing/2010/main" xmlns="" w="9525">
                   <a:solidFill>
                     <a:srgbClr val="000000"/>
                   </a:solidFill>
@@ -4394,7 +4395,7 @@
           <a:p>
             <a:fld id="{48A87A34-81AB-432B-8DAE-1953F412C126}" type="datetimeFigureOut">
               <a:rPr lang="en-US" dirty="0"/>
-              <a:t>1/27/2022</a:t>
+              <a:t>1/28/2022</a:t>
             </a:fld>
             <a:endParaRPr lang="en-US" dirty="0"/>
           </a:p>
@@ -4689,7 +4690,7 @@
           <a:p>
             <a:fld id="{48A87A34-81AB-432B-8DAE-1953F412C126}" type="datetimeFigureOut">
               <a:rPr lang="en-US" dirty="0"/>
-              <a:t>1/27/2022</a:t>
+              <a:t>1/28/2022</a:t>
             </a:fld>
             <a:endParaRPr lang="en-US" dirty="0"/>
           </a:p>
@@ -4880,7 +4881,7 @@
           <a:p>
             <a:fld id="{48A87A34-81AB-432B-8DAE-1953F412C126}" type="datetimeFigureOut">
               <a:rPr lang="en-US" dirty="0"/>
-              <a:t>1/27/2022</a:t>
+              <a:t>1/28/2022</a:t>
             </a:fld>
             <a:endParaRPr lang="en-US" dirty="0"/>
           </a:p>
@@ -5138,7 +5139,7 @@
           <a:p>
             <a:fld id="{48A87A34-81AB-432B-8DAE-1953F412C126}" type="datetimeFigureOut">
               <a:rPr lang="en-US" dirty="0"/>
-              <a:t>1/27/2022</a:t>
+              <a:t>1/28/2022</a:t>
             </a:fld>
             <a:endParaRPr lang="en-US" dirty="0"/>
           </a:p>
@@ -5567,7 +5568,7 @@
           <a:p>
             <a:fld id="{48A87A34-81AB-432B-8DAE-1953F412C126}" type="datetimeFigureOut">
               <a:rPr lang="en-US" dirty="0"/>
-              <a:t>1/27/2022</a:t>
+              <a:t>1/28/2022</a:t>
             </a:fld>
             <a:endParaRPr lang="en-US" dirty="0"/>
           </a:p>
@@ -6108,7 +6109,7 @@
           <a:p>
             <a:fld id="{48A87A34-81AB-432B-8DAE-1953F412C126}" type="datetimeFigureOut">
               <a:rPr lang="en-US" dirty="0"/>
-              <a:t>1/27/2022</a:t>
+              <a:t>1/28/2022</a:t>
             </a:fld>
             <a:endParaRPr lang="en-US" dirty="0"/>
           </a:p>
@@ -6823,7 +6824,7 @@
           <a:p>
             <a:fld id="{48A87A34-81AB-432B-8DAE-1953F412C126}" type="datetimeFigureOut">
               <a:rPr lang="en-US" dirty="0"/>
-              <a:t>1/27/2022</a:t>
+              <a:t>1/28/2022</a:t>
             </a:fld>
             <a:endParaRPr lang="en-US" dirty="0"/>
           </a:p>
@@ -6988,7 +6989,7 @@
           <a:p>
             <a:fld id="{48A87A34-81AB-432B-8DAE-1953F412C126}" type="datetimeFigureOut">
               <a:rPr lang="en-US" dirty="0"/>
-              <a:t>1/27/2022</a:t>
+              <a:t>1/28/2022</a:t>
             </a:fld>
             <a:endParaRPr lang="en-US" dirty="0"/>
           </a:p>
@@ -7163,7 +7164,7 @@
           <a:p>
             <a:fld id="{48A87A34-81AB-432B-8DAE-1953F412C126}" type="datetimeFigureOut">
               <a:rPr lang="en-US" dirty="0"/>
-              <a:t>1/27/2022</a:t>
+              <a:t>1/28/2022</a:t>
             </a:fld>
             <a:endParaRPr lang="en-US" dirty="0"/>
           </a:p>
@@ -7328,7 +7329,7 @@
           <a:p>
             <a:fld id="{48A87A34-81AB-432B-8DAE-1953F412C126}" type="datetimeFigureOut">
               <a:rPr lang="en-US" dirty="0"/>
-              <a:t>1/27/2022</a:t>
+              <a:t>1/28/2022</a:t>
             </a:fld>
             <a:endParaRPr lang="en-US" dirty="0"/>
           </a:p>
@@ -7573,7 +7574,7 @@
           <a:p>
             <a:fld id="{48A87A34-81AB-432B-8DAE-1953F412C126}" type="datetimeFigureOut">
               <a:rPr lang="en-US" dirty="0"/>
-              <a:t>1/27/2022</a:t>
+              <a:t>1/28/2022</a:t>
             </a:fld>
             <a:endParaRPr lang="en-US" dirty="0"/>
           </a:p>
@@ -7800,7 +7801,7 @@
           <a:p>
             <a:fld id="{48A87A34-81AB-432B-8DAE-1953F412C126}" type="datetimeFigureOut">
               <a:rPr lang="en-US" dirty="0"/>
-              <a:t>1/27/2022</a:t>
+              <a:t>1/28/2022</a:t>
             </a:fld>
             <a:endParaRPr lang="en-US" dirty="0"/>
           </a:p>
@@ -8176,7 +8177,7 @@
           <a:p>
             <a:fld id="{48A87A34-81AB-432B-8DAE-1953F412C126}" type="datetimeFigureOut">
               <a:rPr lang="en-US" dirty="0"/>
-              <a:t>1/27/2022</a:t>
+              <a:t>1/28/2022</a:t>
             </a:fld>
             <a:endParaRPr lang="en-US" dirty="0"/>
           </a:p>
@@ -8289,7 +8290,7 @@
           <a:p>
             <a:fld id="{48A87A34-81AB-432B-8DAE-1953F412C126}" type="datetimeFigureOut">
               <a:rPr lang="en-US" dirty="0"/>
-              <a:t>1/27/2022</a:t>
+              <a:t>1/28/2022</a:t>
             </a:fld>
             <a:endParaRPr lang="en-US" dirty="0"/>
           </a:p>
@@ -8379,7 +8380,7 @@
           <a:p>
             <a:fld id="{48A87A34-81AB-432B-8DAE-1953F412C126}" type="datetimeFigureOut">
               <a:rPr lang="en-US" dirty="0"/>
-              <a:t>1/27/2022</a:t>
+              <a:t>1/28/2022</a:t>
             </a:fld>
             <a:endParaRPr lang="en-US" dirty="0"/>
           </a:p>
@@ -8623,7 +8624,7 @@
           <a:p>
             <a:fld id="{48A87A34-81AB-432B-8DAE-1953F412C126}" type="datetimeFigureOut">
               <a:rPr lang="en-US" dirty="0"/>
-              <a:t>1/27/2022</a:t>
+              <a:t>1/28/2022</a:t>
             </a:fld>
             <a:endParaRPr lang="en-US" dirty="0"/>
           </a:p>
@@ -8898,7 +8899,7 @@
           <a:p>
             <a:fld id="{48A87A34-81AB-432B-8DAE-1953F412C126}" type="datetimeFigureOut">
               <a:rPr lang="en-US" dirty="0"/>
-              <a:t>1/27/2022</a:t>
+              <a:t>1/28/2022</a:t>
             </a:fld>
             <a:endParaRPr lang="en-US" dirty="0"/>
           </a:p>
@@ -9009,7 +9010,7 @@
           <a:noFill/>
           <a:extLst>
             <a:ext uri="{909E8E84-426E-40dd-AFC4-6F175D3DCCD1}">
-              <a14:hiddenFill xmlns="" xmlns:a14="http://schemas.microsoft.com/office/drawing/2010/main">
+              <a14:hiddenFill xmlns:a14="http://schemas.microsoft.com/office/drawing/2010/main" xmlns="">
                 <a:solidFill>
                   <a:srgbClr val="FFFFFF"/>
                 </a:solidFill>
@@ -9083,7 +9084,7 @@
               </a:ln>
               <a:extLst>
                 <a:ext uri="{91240B29-F687-4f45-9708-019B960494DF}">
-                  <a14:hiddenLine xmlns="" xmlns:a14="http://schemas.microsoft.com/office/drawing/2010/main" w="9525">
+                  <a14:hiddenLine xmlns:a14="http://schemas.microsoft.com/office/drawing/2010/main" xmlns="" w="9525">
                     <a:solidFill>
                       <a:srgbClr val="000000"/>
                     </a:solidFill>
@@ -9173,7 +9174,7 @@
               </a:ln>
               <a:extLst>
                 <a:ext uri="{91240B29-F687-4f45-9708-019B960494DF}">
-                  <a14:hiddenLine xmlns="" xmlns:a14="http://schemas.microsoft.com/office/drawing/2010/main" w="9525">
+                  <a14:hiddenLine xmlns:a14="http://schemas.microsoft.com/office/drawing/2010/main" xmlns="" w="9525">
                     <a:solidFill>
                       <a:srgbClr val="000000"/>
                     </a:solidFill>
@@ -9263,7 +9264,7 @@
               </a:ln>
               <a:extLst>
                 <a:ext uri="{91240B29-F687-4f45-9708-019B960494DF}">
-                  <a14:hiddenLine xmlns="" xmlns:a14="http://schemas.microsoft.com/office/drawing/2010/main" w="9525">
+                  <a14:hiddenLine xmlns:a14="http://schemas.microsoft.com/office/drawing/2010/main" xmlns="" w="9525">
                     <a:solidFill>
                       <a:srgbClr val="000000"/>
                     </a:solidFill>
@@ -9325,7 +9326,7 @@
               </a:ln>
               <a:extLst>
                 <a:ext uri="{91240B29-F687-4f45-9708-019B960494DF}">
-                  <a14:hiddenLine xmlns="" xmlns:a14="http://schemas.microsoft.com/office/drawing/2010/main" w="9525">
+                  <a14:hiddenLine xmlns:a14="http://schemas.microsoft.com/office/drawing/2010/main" xmlns="" w="9525">
                     <a:solidFill>
                       <a:srgbClr val="000000"/>
                     </a:solidFill>
@@ -9415,7 +9416,7 @@
               </a:ln>
               <a:extLst>
                 <a:ext uri="{91240B29-F687-4f45-9708-019B960494DF}">
-                  <a14:hiddenLine xmlns="" xmlns:a14="http://schemas.microsoft.com/office/drawing/2010/main" w="9525">
+                  <a14:hiddenLine xmlns:a14="http://schemas.microsoft.com/office/drawing/2010/main" xmlns="" w="9525">
                     <a:solidFill>
                       <a:srgbClr val="000000"/>
                     </a:solidFill>
@@ -9477,7 +9478,7 @@
               </a:ln>
               <a:extLst>
                 <a:ext uri="{91240B29-F687-4f45-9708-019B960494DF}">
-                  <a14:hiddenLine xmlns="" xmlns:a14="http://schemas.microsoft.com/office/drawing/2010/main" w="9525">
+                  <a14:hiddenLine xmlns:a14="http://schemas.microsoft.com/office/drawing/2010/main" xmlns="" w="9525">
                     <a:solidFill>
                       <a:srgbClr val="000000"/>
                     </a:solidFill>
@@ -9539,7 +9540,7 @@
               </a:ln>
               <a:extLst>
                 <a:ext uri="{91240B29-F687-4f45-9708-019B960494DF}">
-                  <a14:hiddenLine xmlns="" xmlns:a14="http://schemas.microsoft.com/office/drawing/2010/main" w="9525">
+                  <a14:hiddenLine xmlns:a14="http://schemas.microsoft.com/office/drawing/2010/main" xmlns="" w="9525">
                     <a:solidFill>
                       <a:srgbClr val="000000"/>
                     </a:solidFill>
@@ -9629,7 +9630,7 @@
               </a:ln>
               <a:extLst>
                 <a:ext uri="{91240B29-F687-4f45-9708-019B960494DF}">
-                  <a14:hiddenLine xmlns="" xmlns:a14="http://schemas.microsoft.com/office/drawing/2010/main" w="9525">
+                  <a14:hiddenLine xmlns:a14="http://schemas.microsoft.com/office/drawing/2010/main" xmlns="" w="9525">
                     <a:solidFill>
                       <a:srgbClr val="000000"/>
                     </a:solidFill>
@@ -9719,7 +9720,7 @@
               </a:ln>
               <a:extLst>
                 <a:ext uri="{91240B29-F687-4f45-9708-019B960494DF}">
-                  <a14:hiddenLine xmlns="" xmlns:a14="http://schemas.microsoft.com/office/drawing/2010/main" w="9525">
+                  <a14:hiddenLine xmlns:a14="http://schemas.microsoft.com/office/drawing/2010/main" xmlns="" w="9525">
                     <a:solidFill>
                       <a:srgbClr val="000000"/>
                     </a:solidFill>
@@ -9781,7 +9782,7 @@
               </a:ln>
               <a:extLst>
                 <a:ext uri="{91240B29-F687-4f45-9708-019B960494DF}">
-                  <a14:hiddenLine xmlns="" xmlns:a14="http://schemas.microsoft.com/office/drawing/2010/main" w="9525">
+                  <a14:hiddenLine xmlns:a14="http://schemas.microsoft.com/office/drawing/2010/main" xmlns="" w="9525">
                     <a:solidFill>
                       <a:srgbClr val="000000"/>
                     </a:solidFill>
@@ -9891,7 +9892,7 @@
               </a:ln>
               <a:extLst>
                 <a:ext uri="{91240B29-F687-4f45-9708-019B960494DF}">
-                  <a14:hiddenLine xmlns="" xmlns:a14="http://schemas.microsoft.com/office/drawing/2010/main" w="9525">
+                  <a14:hiddenLine xmlns:a14="http://schemas.microsoft.com/office/drawing/2010/main" xmlns="" w="9525">
                     <a:solidFill>
                       <a:srgbClr val="000000"/>
                     </a:solidFill>
@@ -9975,7 +9976,7 @@
               </a:ln>
               <a:extLst>
                 <a:ext uri="{91240B29-F687-4f45-9708-019B960494DF}">
-                  <a14:hiddenLine xmlns="" xmlns:a14="http://schemas.microsoft.com/office/drawing/2010/main" w="9525">
+                  <a14:hiddenLine xmlns:a14="http://schemas.microsoft.com/office/drawing/2010/main" xmlns="" w="9525">
                     <a:solidFill>
                       <a:srgbClr val="000000"/>
                     </a:solidFill>
@@ -10037,7 +10038,7 @@
               </a:ln>
               <a:extLst>
                 <a:ext uri="{91240B29-F687-4f45-9708-019B960494DF}">
-                  <a14:hiddenLine xmlns="" xmlns:a14="http://schemas.microsoft.com/office/drawing/2010/main" w="9525">
+                  <a14:hiddenLine xmlns:a14="http://schemas.microsoft.com/office/drawing/2010/main" xmlns="" w="9525">
                     <a:solidFill>
                       <a:srgbClr val="000000"/>
                     </a:solidFill>
@@ -10099,7 +10100,7 @@
               </a:ln>
               <a:extLst>
                 <a:ext uri="{91240B29-F687-4f45-9708-019B960494DF}">
-                  <a14:hiddenLine xmlns="" xmlns:a14="http://schemas.microsoft.com/office/drawing/2010/main" w="9525">
+                  <a14:hiddenLine xmlns:a14="http://schemas.microsoft.com/office/drawing/2010/main" xmlns="" w="9525">
                     <a:solidFill>
                       <a:srgbClr val="000000"/>
                     </a:solidFill>
@@ -10189,7 +10190,7 @@
               </a:ln>
               <a:extLst>
                 <a:ext uri="{91240B29-F687-4f45-9708-019B960494DF}">
-                  <a14:hiddenLine xmlns="" xmlns:a14="http://schemas.microsoft.com/office/drawing/2010/main" w="9525">
+                  <a14:hiddenLine xmlns:a14="http://schemas.microsoft.com/office/drawing/2010/main" xmlns="" w="9525">
                     <a:solidFill>
                       <a:srgbClr val="000000"/>
                     </a:solidFill>
@@ -10223,7 +10224,7 @@
               </a:ln>
               <a:extLst>
                 <a:ext uri="{91240B29-F687-4f45-9708-019B960494DF}">
-                  <a14:hiddenLine xmlns="" xmlns:a14="http://schemas.microsoft.com/office/drawing/2010/main" w="9525">
+                  <a14:hiddenLine xmlns:a14="http://schemas.microsoft.com/office/drawing/2010/main" xmlns="" w="9525">
                     <a:solidFill>
                       <a:srgbClr val="000000"/>
                     </a:solidFill>
@@ -10288,7 +10289,7 @@
               </a:ln>
               <a:extLst>
                 <a:ext uri="{91240B29-F687-4f45-9708-019B960494DF}">
-                  <a14:hiddenLine xmlns="" xmlns:a14="http://schemas.microsoft.com/office/drawing/2010/main" w="9525">
+                  <a14:hiddenLine xmlns:a14="http://schemas.microsoft.com/office/drawing/2010/main" xmlns="" w="9525">
                     <a:solidFill>
                       <a:srgbClr val="000000"/>
                     </a:solidFill>
@@ -10378,7 +10379,7 @@
               </a:ln>
               <a:extLst>
                 <a:ext uri="{91240B29-F687-4f45-9708-019B960494DF}">
-                  <a14:hiddenLine xmlns="" xmlns:a14="http://schemas.microsoft.com/office/drawing/2010/main" w="9525">
+                  <a14:hiddenLine xmlns:a14="http://schemas.microsoft.com/office/drawing/2010/main" xmlns="" w="9525">
                     <a:solidFill>
                       <a:srgbClr val="000000"/>
                     </a:solidFill>
@@ -10440,7 +10441,7 @@
               </a:ln>
               <a:extLst>
                 <a:ext uri="{91240B29-F687-4f45-9708-019B960494DF}">
-                  <a14:hiddenLine xmlns="" xmlns:a14="http://schemas.microsoft.com/office/drawing/2010/main" w="9525">
+                  <a14:hiddenLine xmlns:a14="http://schemas.microsoft.com/office/drawing/2010/main" xmlns="" w="9525">
                     <a:solidFill>
                       <a:srgbClr val="000000"/>
                     </a:solidFill>
@@ -10530,7 +10531,7 @@
               </a:ln>
               <a:extLst>
                 <a:ext uri="{91240B29-F687-4f45-9708-019B960494DF}">
-                  <a14:hiddenLine xmlns="" xmlns:a14="http://schemas.microsoft.com/office/drawing/2010/main" w="9525">
+                  <a14:hiddenLine xmlns:a14="http://schemas.microsoft.com/office/drawing/2010/main" xmlns="" w="9525">
                     <a:solidFill>
                       <a:srgbClr val="000000"/>
                     </a:solidFill>
@@ -10595,7 +10596,7 @@
               </a:ln>
               <a:extLst>
                 <a:ext uri="{91240B29-F687-4f45-9708-019B960494DF}">
-                  <a14:hiddenLine xmlns="" xmlns:a14="http://schemas.microsoft.com/office/drawing/2010/main" w="9525">
+                  <a14:hiddenLine xmlns:a14="http://schemas.microsoft.com/office/drawing/2010/main" xmlns="" w="9525">
                     <a:solidFill>
                       <a:srgbClr val="000000"/>
                     </a:solidFill>
@@ -10657,7 +10658,7 @@
               </a:ln>
               <a:extLst>
                 <a:ext uri="{91240B29-F687-4f45-9708-019B960494DF}">
-                  <a14:hiddenLine xmlns="" xmlns:a14="http://schemas.microsoft.com/office/drawing/2010/main" w="9525">
+                  <a14:hiddenLine xmlns:a14="http://schemas.microsoft.com/office/drawing/2010/main" xmlns="" w="9525">
                     <a:solidFill>
                       <a:srgbClr val="000000"/>
                     </a:solidFill>
@@ -10747,7 +10748,7 @@
               </a:ln>
               <a:extLst>
                 <a:ext uri="{91240B29-F687-4f45-9708-019B960494DF}">
-                  <a14:hiddenLine xmlns="" xmlns:a14="http://schemas.microsoft.com/office/drawing/2010/main" w="9525">
+                  <a14:hiddenLine xmlns:a14="http://schemas.microsoft.com/office/drawing/2010/main" xmlns="" w="9525">
                     <a:solidFill>
                       <a:srgbClr val="000000"/>
                     </a:solidFill>
@@ -10837,7 +10838,7 @@
               </a:ln>
               <a:extLst>
                 <a:ext uri="{91240B29-F687-4f45-9708-019B960494DF}">
-                  <a14:hiddenLine xmlns="" xmlns:a14="http://schemas.microsoft.com/office/drawing/2010/main" w="9525">
+                  <a14:hiddenLine xmlns:a14="http://schemas.microsoft.com/office/drawing/2010/main" xmlns="" w="9525">
                     <a:solidFill>
                       <a:srgbClr val="000000"/>
                     </a:solidFill>
@@ -10902,7 +10903,7 @@
               </a:ln>
               <a:extLst>
                 <a:ext uri="{91240B29-F687-4f45-9708-019B960494DF}">
-                  <a14:hiddenLine xmlns="" xmlns:a14="http://schemas.microsoft.com/office/drawing/2010/main" w="9525">
+                  <a14:hiddenLine xmlns:a14="http://schemas.microsoft.com/office/drawing/2010/main" xmlns="" w="9525">
                     <a:solidFill>
                       <a:srgbClr val="000000"/>
                     </a:solidFill>
@@ -11022,7 +11023,7 @@
               </a:ln>
               <a:extLst>
                 <a:ext uri="{91240B29-F687-4f45-9708-019B960494DF}">
-                  <a14:hiddenLine xmlns="" xmlns:a14="http://schemas.microsoft.com/office/drawing/2010/main" w="9525">
+                  <a14:hiddenLine xmlns:a14="http://schemas.microsoft.com/office/drawing/2010/main" xmlns="" w="9525">
                     <a:solidFill>
                       <a:srgbClr val="000000"/>
                     </a:solidFill>
@@ -11120,7 +11121,7 @@
               </a:ln>
               <a:extLst>
                 <a:ext uri="{91240B29-F687-4f45-9708-019B960494DF}">
-                  <a14:hiddenLine xmlns="" xmlns:a14="http://schemas.microsoft.com/office/drawing/2010/main" w="9525">
+                  <a14:hiddenLine xmlns:a14="http://schemas.microsoft.com/office/drawing/2010/main" xmlns="" w="9525">
                     <a:solidFill>
                       <a:srgbClr val="000000"/>
                     </a:solidFill>
@@ -11235,7 +11236,7 @@
               </a:ln>
               <a:extLst>
                 <a:ext uri="{91240B29-F687-4f45-9708-019B960494DF}">
-                  <a14:hiddenLine xmlns="" xmlns:a14="http://schemas.microsoft.com/office/drawing/2010/main" w="9525">
+                  <a14:hiddenLine xmlns:a14="http://schemas.microsoft.com/office/drawing/2010/main" xmlns="" w="9525">
                     <a:solidFill>
                       <a:srgbClr val="000000"/>
                     </a:solidFill>
@@ -11325,7 +11326,7 @@
               </a:ln>
               <a:extLst>
                 <a:ext uri="{91240B29-F687-4f45-9708-019B960494DF}">
-                  <a14:hiddenLine xmlns="" xmlns:a14="http://schemas.microsoft.com/office/drawing/2010/main" w="9525">
+                  <a14:hiddenLine xmlns:a14="http://schemas.microsoft.com/office/drawing/2010/main" xmlns="" w="9525">
                     <a:solidFill>
                       <a:srgbClr val="000000"/>
                     </a:solidFill>
@@ -11390,7 +11391,7 @@
               </a:ln>
               <a:extLst>
                 <a:ext uri="{91240B29-F687-4f45-9708-019B960494DF}">
-                  <a14:hiddenLine xmlns="" xmlns:a14="http://schemas.microsoft.com/office/drawing/2010/main" w="9525">
+                  <a14:hiddenLine xmlns:a14="http://schemas.microsoft.com/office/drawing/2010/main" xmlns="" w="9525">
                     <a:solidFill>
                       <a:srgbClr val="000000"/>
                     </a:solidFill>
@@ -11480,7 +11481,7 @@
               </a:ln>
               <a:extLst>
                 <a:ext uri="{91240B29-F687-4f45-9708-019B960494DF}">
-                  <a14:hiddenLine xmlns="" xmlns:a14="http://schemas.microsoft.com/office/drawing/2010/main" w="9525">
+                  <a14:hiddenLine xmlns:a14="http://schemas.microsoft.com/office/drawing/2010/main" xmlns="" w="9525">
                     <a:solidFill>
                       <a:srgbClr val="000000"/>
                     </a:solidFill>
@@ -11548,7 +11549,7 @@
               </a:ln>
               <a:extLst>
                 <a:ext uri="{91240B29-F687-4f45-9708-019B960494DF}">
-                  <a14:hiddenLine xmlns="" xmlns:a14="http://schemas.microsoft.com/office/drawing/2010/main" w="9525">
+                  <a14:hiddenLine xmlns:a14="http://schemas.microsoft.com/office/drawing/2010/main" xmlns="" w="9525">
                     <a:solidFill>
                       <a:srgbClr val="000000"/>
                     </a:solidFill>
@@ -11638,7 +11639,7 @@
               </a:ln>
               <a:extLst>
                 <a:ext uri="{91240B29-F687-4f45-9708-019B960494DF}">
-                  <a14:hiddenLine xmlns="" xmlns:a14="http://schemas.microsoft.com/office/drawing/2010/main" w="9525">
+                  <a14:hiddenLine xmlns:a14="http://schemas.microsoft.com/office/drawing/2010/main" xmlns="" w="9525">
                     <a:solidFill>
                       <a:srgbClr val="000000"/>
                     </a:solidFill>
@@ -11706,7 +11707,7 @@
               </a:ln>
               <a:extLst>
                 <a:ext uri="{91240B29-F687-4f45-9708-019B960494DF}">
-                  <a14:hiddenLine xmlns="" xmlns:a14="http://schemas.microsoft.com/office/drawing/2010/main" w="9525">
+                  <a14:hiddenLine xmlns:a14="http://schemas.microsoft.com/office/drawing/2010/main" xmlns="" w="9525">
                     <a:solidFill>
                       <a:srgbClr val="000000"/>
                     </a:solidFill>
@@ -11796,7 +11797,7 @@
               </a:ln>
               <a:extLst>
                 <a:ext uri="{91240B29-F687-4f45-9708-019B960494DF}">
-                  <a14:hiddenLine xmlns="" xmlns:a14="http://schemas.microsoft.com/office/drawing/2010/main" w="9525">
+                  <a14:hiddenLine xmlns:a14="http://schemas.microsoft.com/office/drawing/2010/main" xmlns="" w="9525">
                     <a:solidFill>
                       <a:srgbClr val="000000"/>
                     </a:solidFill>
@@ -11830,7 +11831,7 @@
               </a:ln>
               <a:extLst>
                 <a:ext uri="{91240B29-F687-4f45-9708-019B960494DF}">
-                  <a14:hiddenLine xmlns="" xmlns:a14="http://schemas.microsoft.com/office/drawing/2010/main" w="9525">
+                  <a14:hiddenLine xmlns:a14="http://schemas.microsoft.com/office/drawing/2010/main" xmlns="" w="9525">
                     <a:solidFill>
                       <a:srgbClr val="000000"/>
                     </a:solidFill>
@@ -11971,7 +11972,7 @@
             <a:fld id="{48A87A34-81AB-432B-8DAE-1953F412C126}" type="datetimeFigureOut">
               <a:rPr lang="en-US" dirty="0"/>
               <a:pPr/>
-              <a:t>1/27/2022</a:t>
+              <a:t>1/28/2022</a:t>
             </a:fld>
             <a:endParaRPr lang="en-US" dirty="0"/>
           </a:p>
@@ -12476,7 +12477,11 @@
           <a:p>
             <a:r>
               <a:rPr lang="hu-HU" dirty="0"/>
-              <a:t>2022 01.19</a:t>
+              <a:t>2022 01.19 - </a:t>
+            </a:r>
+            <a:r>
+              <a:rPr lang="hu-HU" dirty="0" err="1"/>
+              <a:t>kapos</a:t>
             </a:r>
             <a:endParaRPr lang="en-GB" dirty="0"/>
           </a:p>
@@ -14068,6 +14073,123 @@
 </p:sld>
 </file>
 
+<file path=ppt/slides/slide8.xml><?xml version="1.0" encoding="utf-8"?>
+<p:sld xmlns:a="http://schemas.openxmlformats.org/drawingml/2006/main" xmlns:r="http://schemas.openxmlformats.org/officeDocument/2006/relationships" xmlns:p="http://schemas.openxmlformats.org/presentationml/2006/main">
+  <p:cSld>
+    <p:spTree>
+      <p:nvGrpSpPr>
+        <p:cNvPr id="1" name=""/>
+        <p:cNvGrpSpPr/>
+        <p:nvPr/>
+      </p:nvGrpSpPr>
+      <p:grpSpPr>
+        <a:xfrm>
+          <a:off x="0" y="0"/>
+          <a:ext cx="0" cy="0"/>
+          <a:chOff x="0" y="0"/>
+          <a:chExt cx="0" cy="0"/>
+        </a:xfrm>
+      </p:grpSpPr>
+      <p:sp>
+        <p:nvSpPr>
+          <p:cNvPr id="2" name="Cím 1">
+            <a:extLst>
+              <a:ext uri="{FF2B5EF4-FFF2-40B4-BE49-F238E27FC236}">
+                <a16:creationId xmlns:a16="http://schemas.microsoft.com/office/drawing/2014/main" id="{FDB5C32D-E525-4B67-920E-EFFBC1AF0322}"/>
+              </a:ext>
+            </a:extLst>
+          </p:cNvPr>
+          <p:cNvSpPr>
+            <a:spLocks noGrp="1"/>
+          </p:cNvSpPr>
+          <p:nvPr>
+            <p:ph type="title"/>
+          </p:nvPr>
+        </p:nvSpPr>
+        <p:spPr/>
+        <p:txBody>
+          <a:bodyPr/>
+          <a:lstStyle/>
+          <a:p>
+            <a:r>
+              <a:rPr lang="hu-HU" dirty="0"/>
+              <a:t>Mit tervezünk a </a:t>
+            </a:r>
+            <a:r>
+              <a:rPr lang="hu-HU" dirty="0" err="1"/>
+              <a:t>dusza</a:t>
+            </a:r>
+            <a:r>
+              <a:rPr lang="hu-HU" dirty="0"/>
+              <a:t> döntőig?</a:t>
+            </a:r>
+            <a:endParaRPr lang="en-GB" dirty="0"/>
+          </a:p>
+        </p:txBody>
+      </p:sp>
+      <p:sp>
+        <p:nvSpPr>
+          <p:cNvPr id="3" name="Tartalom helye 2">
+            <a:extLst>
+              <a:ext uri="{FF2B5EF4-FFF2-40B4-BE49-F238E27FC236}">
+                <a16:creationId xmlns:a16="http://schemas.microsoft.com/office/drawing/2014/main" id="{25B159E6-CB1E-4E2E-B6F5-EC12FA7C6090}"/>
+              </a:ext>
+            </a:extLst>
+          </p:cNvPr>
+          <p:cNvSpPr>
+            <a:spLocks noGrp="1"/>
+          </p:cNvSpPr>
+          <p:nvPr>
+            <p:ph sz="half" idx="1"/>
+          </p:nvPr>
+        </p:nvSpPr>
+        <p:spPr>
+          <a:xfrm>
+            <a:off x="1141410" y="2249486"/>
+            <a:ext cx="9905998" cy="3541714"/>
+          </a:xfrm>
+        </p:spPr>
+        <p:txBody>
+          <a:bodyPr/>
+          <a:lstStyle/>
+          <a:p>
+            <a:r>
+              <a:rPr lang="hu-HU" sz="4000" u="sng" dirty="0">
+                <a:effectLst>
+                  <a:outerShdw blurRad="38100" dist="38100" dir="2700000" algn="tl">
+                    <a:srgbClr val="000000">
+                      <a:alpha val="43137"/>
+                    </a:srgbClr>
+                  </a:outerShdw>
+                </a:effectLst>
+              </a:rPr>
+              <a:t>Többjátékos mód elkészítése</a:t>
+            </a:r>
+          </a:p>
+          <a:p>
+            <a:r>
+              <a:rPr lang="hu-HU" sz="2800" dirty="0"/>
+              <a:t>A kódminőség és a project átláthatóságának javítása</a:t>
+            </a:r>
+          </a:p>
+          <a:p>
+            <a:endParaRPr lang="en-GB" dirty="0"/>
+          </a:p>
+        </p:txBody>
+      </p:sp>
+    </p:spTree>
+    <p:extLst>
+      <p:ext uri="{BB962C8B-B14F-4D97-AF65-F5344CB8AC3E}">
+        <p14:creationId xmlns:p14="http://schemas.microsoft.com/office/powerpoint/2010/main" val="3845352826"/>
+      </p:ext>
+    </p:extLst>
+  </p:cSld>
+  <p:clrMapOvr>
+    <a:masterClrMapping/>
+  </p:clrMapOvr>
+</p:sld>
+</file>
+
 <file path=ppt/theme/theme1.xml><?xml version="1.0" encoding="utf-8"?>
 <a:theme xmlns:a="http://schemas.openxmlformats.org/drawingml/2006/main" name="Áramkör">
   <a:themeElements>

--- a/Dokumentumok/Dusza workshop 2.pptx
+++ b/Dokumentumok/Dusza workshop 2.pptx
@@ -169,7 +169,7 @@
           <a:noFill/>
           <a:extLst>
             <a:ext uri="{909E8E84-426E-40dd-AFC4-6F175D3DCCD1}">
-              <a14:hiddenFill xmlns:a14="http://schemas.microsoft.com/office/drawing/2010/main" xmlns="">
+              <a14:hiddenFill xmlns="" xmlns:a14="http://schemas.microsoft.com/office/drawing/2010/main">
                 <a:solidFill>
                   <a:srgbClr val="FFFFFF"/>
                 </a:solidFill>
@@ -229,7 +229,7 @@
             </a:ln>
             <a:extLst>
               <a:ext uri="{91240B29-F687-4f45-9708-019B960494DF}">
-                <a14:hiddenLine xmlns:a14="http://schemas.microsoft.com/office/drawing/2010/main" xmlns="" w="9525">
+                <a14:hiddenLine xmlns="" xmlns:a14="http://schemas.microsoft.com/office/drawing/2010/main" w="9525">
                   <a:solidFill>
                     <a:srgbClr val="000000"/>
                   </a:solidFill>
@@ -319,7 +319,7 @@
             </a:ln>
             <a:extLst>
               <a:ext uri="{91240B29-F687-4f45-9708-019B960494DF}">
-                <a14:hiddenLine xmlns:a14="http://schemas.microsoft.com/office/drawing/2010/main" xmlns="" w="9525">
+                <a14:hiddenLine xmlns="" xmlns:a14="http://schemas.microsoft.com/office/drawing/2010/main" w="9525">
                   <a:solidFill>
                     <a:srgbClr val="000000"/>
                   </a:solidFill>
@@ -409,7 +409,7 @@
             </a:ln>
             <a:extLst>
               <a:ext uri="{91240B29-F687-4f45-9708-019B960494DF}">
-                <a14:hiddenLine xmlns:a14="http://schemas.microsoft.com/office/drawing/2010/main" xmlns="" w="9525">
+                <a14:hiddenLine xmlns="" xmlns:a14="http://schemas.microsoft.com/office/drawing/2010/main" w="9525">
                   <a:solidFill>
                     <a:srgbClr val="000000"/>
                   </a:solidFill>
@@ -443,7 +443,7 @@
             </a:ln>
             <a:extLst>
               <a:ext uri="{91240B29-F687-4f45-9708-019B960494DF}">
-                <a14:hiddenLine xmlns:a14="http://schemas.microsoft.com/office/drawing/2010/main" xmlns="" w="9525">
+                <a14:hiddenLine xmlns="" xmlns:a14="http://schemas.microsoft.com/office/drawing/2010/main" w="9525">
                   <a:solidFill>
                     <a:srgbClr val="000000"/>
                   </a:solidFill>
@@ -533,7 +533,7 @@
             </a:ln>
             <a:extLst>
               <a:ext uri="{91240B29-F687-4f45-9708-019B960494DF}">
-                <a14:hiddenLine xmlns:a14="http://schemas.microsoft.com/office/drawing/2010/main" xmlns="" w="9525">
+                <a14:hiddenLine xmlns="" xmlns:a14="http://schemas.microsoft.com/office/drawing/2010/main" w="9525">
                   <a:solidFill>
                     <a:srgbClr val="000000"/>
                   </a:solidFill>
@@ -595,7 +595,7 @@
             </a:ln>
             <a:extLst>
               <a:ext uri="{91240B29-F687-4f45-9708-019B960494DF}">
-                <a14:hiddenLine xmlns:a14="http://schemas.microsoft.com/office/drawing/2010/main" xmlns="" w="9525">
+                <a14:hiddenLine xmlns="" xmlns:a14="http://schemas.microsoft.com/office/drawing/2010/main" w="9525">
                   <a:solidFill>
                     <a:srgbClr val="000000"/>
                   </a:solidFill>
@@ -657,7 +657,7 @@
             </a:ln>
             <a:extLst>
               <a:ext uri="{91240B29-F687-4f45-9708-019B960494DF}">
-                <a14:hiddenLine xmlns:a14="http://schemas.microsoft.com/office/drawing/2010/main" xmlns="" w="9525">
+                <a14:hiddenLine xmlns="" xmlns:a14="http://schemas.microsoft.com/office/drawing/2010/main" w="9525">
                   <a:solidFill>
                     <a:srgbClr val="000000"/>
                   </a:solidFill>
@@ -747,7 +747,7 @@
             </a:ln>
             <a:extLst>
               <a:ext uri="{91240B29-F687-4f45-9708-019B960494DF}">
-                <a14:hiddenLine xmlns:a14="http://schemas.microsoft.com/office/drawing/2010/main" xmlns="" w="9525">
+                <a14:hiddenLine xmlns="" xmlns:a14="http://schemas.microsoft.com/office/drawing/2010/main" w="9525">
                   <a:solidFill>
                     <a:srgbClr val="000000"/>
                   </a:solidFill>
@@ -809,7 +809,7 @@
             </a:ln>
             <a:extLst>
               <a:ext uri="{91240B29-F687-4f45-9708-019B960494DF}">
-                <a14:hiddenLine xmlns:a14="http://schemas.microsoft.com/office/drawing/2010/main" xmlns="" w="9525">
+                <a14:hiddenLine xmlns="" xmlns:a14="http://schemas.microsoft.com/office/drawing/2010/main" w="9525">
                   <a:solidFill>
                     <a:srgbClr val="000000"/>
                   </a:solidFill>
@@ -871,7 +871,7 @@
             </a:ln>
             <a:extLst>
               <a:ext uri="{91240B29-F687-4f45-9708-019B960494DF}">
-                <a14:hiddenLine xmlns:a14="http://schemas.microsoft.com/office/drawing/2010/main" xmlns="" w="9525">
+                <a14:hiddenLine xmlns="" xmlns:a14="http://schemas.microsoft.com/office/drawing/2010/main" w="9525">
                   <a:solidFill>
                     <a:srgbClr val="000000"/>
                   </a:solidFill>
@@ -961,7 +961,7 @@
             </a:ln>
             <a:extLst>
               <a:ext uri="{91240B29-F687-4f45-9708-019B960494DF}">
-                <a14:hiddenLine xmlns:a14="http://schemas.microsoft.com/office/drawing/2010/main" xmlns="" w="9525">
+                <a14:hiddenLine xmlns="" xmlns:a14="http://schemas.microsoft.com/office/drawing/2010/main" w="9525">
                   <a:solidFill>
                     <a:srgbClr val="000000"/>
                   </a:solidFill>
@@ -1051,7 +1051,7 @@
             </a:ln>
             <a:extLst>
               <a:ext uri="{91240B29-F687-4f45-9708-019B960494DF}">
-                <a14:hiddenLine xmlns:a14="http://schemas.microsoft.com/office/drawing/2010/main" xmlns="" w="9525">
+                <a14:hiddenLine xmlns="" xmlns:a14="http://schemas.microsoft.com/office/drawing/2010/main" w="9525">
                   <a:solidFill>
                     <a:srgbClr val="000000"/>
                   </a:solidFill>
@@ -1113,7 +1113,7 @@
             </a:ln>
             <a:extLst>
               <a:ext uri="{91240B29-F687-4f45-9708-019B960494DF}">
-                <a14:hiddenLine xmlns:a14="http://schemas.microsoft.com/office/drawing/2010/main" xmlns="" w="9525">
+                <a14:hiddenLine xmlns="" xmlns:a14="http://schemas.microsoft.com/office/drawing/2010/main" w="9525">
                   <a:solidFill>
                     <a:srgbClr val="000000"/>
                   </a:solidFill>
@@ -1223,7 +1223,7 @@
             </a:ln>
             <a:extLst>
               <a:ext uri="{91240B29-F687-4f45-9708-019B960494DF}">
-                <a14:hiddenLine xmlns:a14="http://schemas.microsoft.com/office/drawing/2010/main" xmlns="" w="9525">
+                <a14:hiddenLine xmlns="" xmlns:a14="http://schemas.microsoft.com/office/drawing/2010/main" w="9525">
                   <a:solidFill>
                     <a:srgbClr val="000000"/>
                   </a:solidFill>
@@ -1285,7 +1285,7 @@
             </a:ln>
             <a:extLst>
               <a:ext uri="{91240B29-F687-4f45-9708-019B960494DF}">
-                <a14:hiddenLine xmlns:a14="http://schemas.microsoft.com/office/drawing/2010/main" xmlns="" w="9525">
+                <a14:hiddenLine xmlns="" xmlns:a14="http://schemas.microsoft.com/office/drawing/2010/main" w="9525">
                   <a:solidFill>
                     <a:srgbClr val="000000"/>
                   </a:solidFill>
@@ -1375,7 +1375,7 @@
             </a:ln>
             <a:extLst>
               <a:ext uri="{91240B29-F687-4f45-9708-019B960494DF}">
-                <a14:hiddenLine xmlns:a14="http://schemas.microsoft.com/office/drawing/2010/main" xmlns="" w="9525">
+                <a14:hiddenLine xmlns="" xmlns:a14="http://schemas.microsoft.com/office/drawing/2010/main" w="9525">
                   <a:solidFill>
                     <a:srgbClr val="000000"/>
                   </a:solidFill>
@@ -1465,7 +1465,7 @@
             </a:ln>
             <a:extLst>
               <a:ext uri="{91240B29-F687-4f45-9708-019B960494DF}">
-                <a14:hiddenLine xmlns:a14="http://schemas.microsoft.com/office/drawing/2010/main" xmlns="" w="9525">
+                <a14:hiddenLine xmlns="" xmlns:a14="http://schemas.microsoft.com/office/drawing/2010/main" w="9525">
                   <a:solidFill>
                     <a:srgbClr val="000000"/>
                   </a:solidFill>
@@ -1527,7 +1527,7 @@
             </a:ln>
             <a:extLst>
               <a:ext uri="{91240B29-F687-4f45-9708-019B960494DF}">
-                <a14:hiddenLine xmlns:a14="http://schemas.microsoft.com/office/drawing/2010/main" xmlns="" w="9525">
+                <a14:hiddenLine xmlns="" xmlns:a14="http://schemas.microsoft.com/office/drawing/2010/main" w="9525">
                   <a:solidFill>
                     <a:srgbClr val="000000"/>
                   </a:solidFill>
@@ -1617,7 +1617,7 @@
             </a:ln>
             <a:extLst>
               <a:ext uri="{91240B29-F687-4f45-9708-019B960494DF}">
-                <a14:hiddenLine xmlns:a14="http://schemas.microsoft.com/office/drawing/2010/main" xmlns="" w="9525">
+                <a14:hiddenLine xmlns="" xmlns:a14="http://schemas.microsoft.com/office/drawing/2010/main" w="9525">
                   <a:solidFill>
                     <a:srgbClr val="000000"/>
                   </a:solidFill>
@@ -1707,7 +1707,7 @@
             </a:ln>
             <a:extLst>
               <a:ext uri="{91240B29-F687-4f45-9708-019B960494DF}">
-                <a14:hiddenLine xmlns:a14="http://schemas.microsoft.com/office/drawing/2010/main" xmlns="" w="9525">
+                <a14:hiddenLine xmlns="" xmlns:a14="http://schemas.microsoft.com/office/drawing/2010/main" w="9525">
                   <a:solidFill>
                     <a:srgbClr val="000000"/>
                   </a:solidFill>
@@ -1763,7 +1763,7 @@
             </a:ln>
             <a:extLst>
               <a:ext uri="{91240B29-F687-4f45-9708-019B960494DF}">
-                <a14:hiddenLine xmlns:a14="http://schemas.microsoft.com/office/drawing/2010/main" xmlns="" w="9525">
+                <a14:hiddenLine xmlns="" xmlns:a14="http://schemas.microsoft.com/office/drawing/2010/main" w="9525">
                   <a:solidFill>
                     <a:srgbClr val="000000"/>
                   </a:solidFill>
@@ -1853,7 +1853,7 @@
             </a:ln>
             <a:extLst>
               <a:ext uri="{91240B29-F687-4f45-9708-019B960494DF}">
-                <a14:hiddenLine xmlns:a14="http://schemas.microsoft.com/office/drawing/2010/main" xmlns="" w="9525">
+                <a14:hiddenLine xmlns="" xmlns:a14="http://schemas.microsoft.com/office/drawing/2010/main" w="9525">
                   <a:solidFill>
                     <a:srgbClr val="000000"/>
                   </a:solidFill>
@@ -1909,7 +1909,7 @@
             </a:ln>
             <a:extLst>
               <a:ext uri="{91240B29-F687-4f45-9708-019B960494DF}">
-                <a14:hiddenLine xmlns:a14="http://schemas.microsoft.com/office/drawing/2010/main" xmlns="" w="9525">
+                <a14:hiddenLine xmlns="" xmlns:a14="http://schemas.microsoft.com/office/drawing/2010/main" w="9525">
                   <a:solidFill>
                     <a:srgbClr val="000000"/>
                   </a:solidFill>
@@ -1999,7 +1999,7 @@
             </a:ln>
             <a:extLst>
               <a:ext uri="{91240B29-F687-4f45-9708-019B960494DF}">
-                <a14:hiddenLine xmlns:a14="http://schemas.microsoft.com/office/drawing/2010/main" xmlns="" w="9525">
+                <a14:hiddenLine xmlns="" xmlns:a14="http://schemas.microsoft.com/office/drawing/2010/main" w="9525">
                   <a:solidFill>
                     <a:srgbClr val="000000"/>
                   </a:solidFill>
@@ -2067,7 +2067,7 @@
             </a:ln>
             <a:extLst>
               <a:ext uri="{91240B29-F687-4f45-9708-019B960494DF}">
-                <a14:hiddenLine xmlns:a14="http://schemas.microsoft.com/office/drawing/2010/main" xmlns="" w="9525">
+                <a14:hiddenLine xmlns="" xmlns:a14="http://schemas.microsoft.com/office/drawing/2010/main" w="9525">
                   <a:solidFill>
                     <a:srgbClr val="000000"/>
                   </a:solidFill>
@@ -2157,7 +2157,7 @@
             </a:ln>
             <a:extLst>
               <a:ext uri="{91240B29-F687-4f45-9708-019B960494DF}">
-                <a14:hiddenLine xmlns:a14="http://schemas.microsoft.com/office/drawing/2010/main" xmlns="" w="9525">
+                <a14:hiddenLine xmlns="" xmlns:a14="http://schemas.microsoft.com/office/drawing/2010/main" w="9525">
                   <a:solidFill>
                     <a:srgbClr val="000000"/>
                   </a:solidFill>
@@ -2225,7 +2225,7 @@
             </a:ln>
             <a:extLst>
               <a:ext uri="{91240B29-F687-4f45-9708-019B960494DF}">
-                <a14:hiddenLine xmlns:a14="http://schemas.microsoft.com/office/drawing/2010/main" xmlns="" w="9525">
+                <a14:hiddenLine xmlns="" xmlns:a14="http://schemas.microsoft.com/office/drawing/2010/main" w="9525">
                   <a:solidFill>
                     <a:srgbClr val="000000"/>
                   </a:solidFill>
@@ -2315,7 +2315,7 @@
             </a:ln>
             <a:extLst>
               <a:ext uri="{91240B29-F687-4f45-9708-019B960494DF}">
-                <a14:hiddenLine xmlns:a14="http://schemas.microsoft.com/office/drawing/2010/main" xmlns="" w="9525">
+                <a14:hiddenLine xmlns="" xmlns:a14="http://schemas.microsoft.com/office/drawing/2010/main" w="9525">
                   <a:solidFill>
                     <a:srgbClr val="000000"/>
                   </a:solidFill>
@@ -2349,7 +2349,7 @@
             </a:ln>
             <a:extLst>
               <a:ext uri="{91240B29-F687-4f45-9708-019B960494DF}">
-                <a14:hiddenLine xmlns:a14="http://schemas.microsoft.com/office/drawing/2010/main" xmlns="" w="9525">
+                <a14:hiddenLine xmlns="" xmlns:a14="http://schemas.microsoft.com/office/drawing/2010/main" w="9525">
                   <a:solidFill>
                     <a:srgbClr val="000000"/>
                   </a:solidFill>
@@ -2439,7 +2439,7 @@
             </a:ln>
             <a:extLst>
               <a:ext uri="{91240B29-F687-4f45-9708-019B960494DF}">
-                <a14:hiddenLine xmlns:a14="http://schemas.microsoft.com/office/drawing/2010/main" xmlns="" w="9525">
+                <a14:hiddenLine xmlns="" xmlns:a14="http://schemas.microsoft.com/office/drawing/2010/main" w="9525">
                   <a:solidFill>
                     <a:srgbClr val="000000"/>
                   </a:solidFill>
@@ -2501,7 +2501,7 @@
             </a:ln>
             <a:extLst>
               <a:ext uri="{91240B29-F687-4f45-9708-019B960494DF}">
-                <a14:hiddenLine xmlns:a14="http://schemas.microsoft.com/office/drawing/2010/main" xmlns="" w="9525">
+                <a14:hiddenLine xmlns="" xmlns:a14="http://schemas.microsoft.com/office/drawing/2010/main" w="9525">
                   <a:solidFill>
                     <a:srgbClr val="000000"/>
                   </a:solidFill>
@@ -2563,7 +2563,7 @@
             </a:ln>
             <a:extLst>
               <a:ext uri="{91240B29-F687-4f45-9708-019B960494DF}">
-                <a14:hiddenLine xmlns:a14="http://schemas.microsoft.com/office/drawing/2010/main" xmlns="" w="9525">
+                <a14:hiddenLine xmlns="" xmlns:a14="http://schemas.microsoft.com/office/drawing/2010/main" w="9525">
                   <a:solidFill>
                     <a:srgbClr val="000000"/>
                   </a:solidFill>
@@ -2653,7 +2653,7 @@
             </a:ln>
             <a:extLst>
               <a:ext uri="{91240B29-F687-4f45-9708-019B960494DF}">
-                <a14:hiddenLine xmlns:a14="http://schemas.microsoft.com/office/drawing/2010/main" xmlns="" w="9525">
+                <a14:hiddenLine xmlns="" xmlns:a14="http://schemas.microsoft.com/office/drawing/2010/main" w="9525">
                   <a:solidFill>
                     <a:srgbClr val="000000"/>
                   </a:solidFill>
@@ -2721,7 +2721,7 @@
             </a:ln>
             <a:extLst>
               <a:ext uri="{91240B29-F687-4f45-9708-019B960494DF}">
-                <a14:hiddenLine xmlns:a14="http://schemas.microsoft.com/office/drawing/2010/main" xmlns="" w="9525">
+                <a14:hiddenLine xmlns="" xmlns:a14="http://schemas.microsoft.com/office/drawing/2010/main" w="9525">
                   <a:solidFill>
                     <a:srgbClr val="000000"/>
                   </a:solidFill>
@@ -2783,7 +2783,7 @@
             </a:ln>
             <a:extLst>
               <a:ext uri="{91240B29-F687-4f45-9708-019B960494DF}">
-                <a14:hiddenLine xmlns:a14="http://schemas.microsoft.com/office/drawing/2010/main" xmlns="" w="9525">
+                <a14:hiddenLine xmlns="" xmlns:a14="http://schemas.microsoft.com/office/drawing/2010/main" w="9525">
                   <a:solidFill>
                     <a:srgbClr val="000000"/>
                   </a:solidFill>
@@ -2873,7 +2873,7 @@
             </a:ln>
             <a:extLst>
               <a:ext uri="{91240B29-F687-4f45-9708-019B960494DF}">
-                <a14:hiddenLine xmlns:a14="http://schemas.microsoft.com/office/drawing/2010/main" xmlns="" w="9525">
+                <a14:hiddenLine xmlns="" xmlns:a14="http://schemas.microsoft.com/office/drawing/2010/main" w="9525">
                   <a:solidFill>
                     <a:srgbClr val="000000"/>
                   </a:solidFill>
@@ -2935,7 +2935,7 @@
             </a:ln>
             <a:extLst>
               <a:ext uri="{91240B29-F687-4f45-9708-019B960494DF}">
-                <a14:hiddenLine xmlns:a14="http://schemas.microsoft.com/office/drawing/2010/main" xmlns="" w="9525">
+                <a14:hiddenLine xmlns="" xmlns:a14="http://schemas.microsoft.com/office/drawing/2010/main" w="9525">
                   <a:solidFill>
                     <a:srgbClr val="000000"/>
                   </a:solidFill>
@@ -3025,7 +3025,7 @@
             </a:ln>
             <a:extLst>
               <a:ext uri="{91240B29-F687-4f45-9708-019B960494DF}">
-                <a14:hiddenLine xmlns:a14="http://schemas.microsoft.com/office/drawing/2010/main" xmlns="" w="9525">
+                <a14:hiddenLine xmlns="" xmlns:a14="http://schemas.microsoft.com/office/drawing/2010/main" w="9525">
                   <a:solidFill>
                     <a:srgbClr val="000000"/>
                   </a:solidFill>
@@ -3087,7 +3087,7 @@
             </a:ln>
             <a:extLst>
               <a:ext uri="{91240B29-F687-4f45-9708-019B960494DF}">
-                <a14:hiddenLine xmlns:a14="http://schemas.microsoft.com/office/drawing/2010/main" xmlns="" w="9525">
+                <a14:hiddenLine xmlns="" xmlns:a14="http://schemas.microsoft.com/office/drawing/2010/main" w="9525">
                   <a:solidFill>
                     <a:srgbClr val="000000"/>
                   </a:solidFill>
@@ -3177,7 +3177,7 @@
             </a:ln>
             <a:extLst>
               <a:ext uri="{91240B29-F687-4f45-9708-019B960494DF}">
-                <a14:hiddenLine xmlns:a14="http://schemas.microsoft.com/office/drawing/2010/main" xmlns="" w="9525">
+                <a14:hiddenLine xmlns="" xmlns:a14="http://schemas.microsoft.com/office/drawing/2010/main" w="9525">
                   <a:solidFill>
                     <a:srgbClr val="000000"/>
                   </a:solidFill>
@@ -3211,7 +3211,7 @@
             </a:ln>
             <a:extLst>
               <a:ext uri="{91240B29-F687-4f45-9708-019B960494DF}">
-                <a14:hiddenLine xmlns:a14="http://schemas.microsoft.com/office/drawing/2010/main" xmlns="" w="9525">
+                <a14:hiddenLine xmlns="" xmlns:a14="http://schemas.microsoft.com/office/drawing/2010/main" w="9525">
                   <a:solidFill>
                     <a:srgbClr val="000000"/>
                   </a:solidFill>
@@ -3276,7 +3276,7 @@
             </a:ln>
             <a:extLst>
               <a:ext uri="{91240B29-F687-4f45-9708-019B960494DF}">
-                <a14:hiddenLine xmlns:a14="http://schemas.microsoft.com/office/drawing/2010/main" xmlns="" w="9525">
+                <a14:hiddenLine xmlns="" xmlns:a14="http://schemas.microsoft.com/office/drawing/2010/main" w="9525">
                   <a:solidFill>
                     <a:srgbClr val="000000"/>
                   </a:solidFill>
@@ -3366,7 +3366,7 @@
             </a:ln>
             <a:extLst>
               <a:ext uri="{91240B29-F687-4f45-9708-019B960494DF}">
-                <a14:hiddenLine xmlns:a14="http://schemas.microsoft.com/office/drawing/2010/main" xmlns="" w="9525">
+                <a14:hiddenLine xmlns="" xmlns:a14="http://schemas.microsoft.com/office/drawing/2010/main" w="9525">
                   <a:solidFill>
                     <a:srgbClr val="000000"/>
                   </a:solidFill>
@@ -3428,7 +3428,7 @@
             </a:ln>
             <a:extLst>
               <a:ext uri="{91240B29-F687-4f45-9708-019B960494DF}">
-                <a14:hiddenLine xmlns:a14="http://schemas.microsoft.com/office/drawing/2010/main" xmlns="" w="9525">
+                <a14:hiddenLine xmlns="" xmlns:a14="http://schemas.microsoft.com/office/drawing/2010/main" w="9525">
                   <a:solidFill>
                     <a:srgbClr val="000000"/>
                   </a:solidFill>
@@ -3518,7 +3518,7 @@
             </a:ln>
             <a:extLst>
               <a:ext uri="{91240B29-F687-4f45-9708-019B960494DF}">
-                <a14:hiddenLine xmlns:a14="http://schemas.microsoft.com/office/drawing/2010/main" xmlns="" w="9525">
+                <a14:hiddenLine xmlns="" xmlns:a14="http://schemas.microsoft.com/office/drawing/2010/main" w="9525">
                   <a:solidFill>
                     <a:srgbClr val="000000"/>
                   </a:solidFill>
@@ -3608,7 +3608,7 @@
             </a:ln>
             <a:extLst>
               <a:ext uri="{91240B29-F687-4f45-9708-019B960494DF}">
-                <a14:hiddenLine xmlns:a14="http://schemas.microsoft.com/office/drawing/2010/main" xmlns="" w="9525">
+                <a14:hiddenLine xmlns="" xmlns:a14="http://schemas.microsoft.com/office/drawing/2010/main" w="9525">
                   <a:solidFill>
                     <a:srgbClr val="000000"/>
                   </a:solidFill>
@@ -3673,7 +3673,7 @@
             </a:ln>
             <a:extLst>
               <a:ext uri="{91240B29-F687-4f45-9708-019B960494DF}">
-                <a14:hiddenLine xmlns:a14="http://schemas.microsoft.com/office/drawing/2010/main" xmlns="" w="9525">
+                <a14:hiddenLine xmlns="" xmlns:a14="http://schemas.microsoft.com/office/drawing/2010/main" w="9525">
                   <a:solidFill>
                     <a:srgbClr val="000000"/>
                   </a:solidFill>
@@ -3735,7 +3735,7 @@
             </a:ln>
             <a:extLst>
               <a:ext uri="{91240B29-F687-4f45-9708-019B960494DF}">
-                <a14:hiddenLine xmlns:a14="http://schemas.microsoft.com/office/drawing/2010/main" xmlns="" w="9525">
+                <a14:hiddenLine xmlns="" xmlns:a14="http://schemas.microsoft.com/office/drawing/2010/main" w="9525">
                   <a:solidFill>
                     <a:srgbClr val="000000"/>
                   </a:solidFill>
@@ -3825,7 +3825,7 @@
             </a:ln>
             <a:extLst>
               <a:ext uri="{91240B29-F687-4f45-9708-019B960494DF}">
-                <a14:hiddenLine xmlns:a14="http://schemas.microsoft.com/office/drawing/2010/main" xmlns="" w="9525">
+                <a14:hiddenLine xmlns="" xmlns:a14="http://schemas.microsoft.com/office/drawing/2010/main" w="9525">
                   <a:solidFill>
                     <a:srgbClr val="000000"/>
                   </a:solidFill>
@@ -3915,7 +3915,7 @@
             </a:ln>
             <a:extLst>
               <a:ext uri="{91240B29-F687-4f45-9708-019B960494DF}">
-                <a14:hiddenLine xmlns:a14="http://schemas.microsoft.com/office/drawing/2010/main" xmlns="" w="9525">
+                <a14:hiddenLine xmlns="" xmlns:a14="http://schemas.microsoft.com/office/drawing/2010/main" w="9525">
                   <a:solidFill>
                     <a:srgbClr val="000000"/>
                   </a:solidFill>
@@ -3977,7 +3977,7 @@
             </a:ln>
             <a:extLst>
               <a:ext uri="{91240B29-F687-4f45-9708-019B960494DF}">
-                <a14:hiddenLine xmlns:a14="http://schemas.microsoft.com/office/drawing/2010/main" xmlns="" w="9525">
+                <a14:hiddenLine xmlns="" xmlns:a14="http://schemas.microsoft.com/office/drawing/2010/main" w="9525">
                   <a:solidFill>
                     <a:srgbClr val="000000"/>
                   </a:solidFill>
@@ -4097,7 +4097,7 @@
             </a:ln>
             <a:extLst>
               <a:ext uri="{91240B29-F687-4f45-9708-019B960494DF}">
-                <a14:hiddenLine xmlns:a14="http://schemas.microsoft.com/office/drawing/2010/main" xmlns="" w="9525">
+                <a14:hiddenLine xmlns="" xmlns:a14="http://schemas.microsoft.com/office/drawing/2010/main" w="9525">
                   <a:solidFill>
                     <a:srgbClr val="000000"/>
                   </a:solidFill>
@@ -4165,7 +4165,7 @@
             </a:ln>
             <a:extLst>
               <a:ext uri="{91240B29-F687-4f45-9708-019B960494DF}">
-                <a14:hiddenLine xmlns:a14="http://schemas.microsoft.com/office/drawing/2010/main" xmlns="" w="9525">
+                <a14:hiddenLine xmlns="" xmlns:a14="http://schemas.microsoft.com/office/drawing/2010/main" w="9525">
                   <a:solidFill>
                     <a:srgbClr val="000000"/>
                   </a:solidFill>
@@ -4255,7 +4255,7 @@
             </a:ln>
             <a:extLst>
               <a:ext uri="{91240B29-F687-4f45-9708-019B960494DF}">
-                <a14:hiddenLine xmlns:a14="http://schemas.microsoft.com/office/drawing/2010/main" xmlns="" w="9525">
+                <a14:hiddenLine xmlns="" xmlns:a14="http://schemas.microsoft.com/office/drawing/2010/main" w="9525">
                   <a:solidFill>
                     <a:srgbClr val="000000"/>
                   </a:solidFill>
@@ -4395,7 +4395,7 @@
           <a:p>
             <a:fld id="{48A87A34-81AB-432B-8DAE-1953F412C126}" type="datetimeFigureOut">
               <a:rPr lang="en-US" dirty="0"/>
-              <a:t>1/28/2022</a:t>
+              <a:t>2/17/2022</a:t>
             </a:fld>
             <a:endParaRPr lang="en-US" dirty="0"/>
           </a:p>
@@ -4690,7 +4690,7 @@
           <a:p>
             <a:fld id="{48A87A34-81AB-432B-8DAE-1953F412C126}" type="datetimeFigureOut">
               <a:rPr lang="en-US" dirty="0"/>
-              <a:t>1/28/2022</a:t>
+              <a:t>2/17/2022</a:t>
             </a:fld>
             <a:endParaRPr lang="en-US" dirty="0"/>
           </a:p>
@@ -4881,7 +4881,7 @@
           <a:p>
             <a:fld id="{48A87A34-81AB-432B-8DAE-1953F412C126}" type="datetimeFigureOut">
               <a:rPr lang="en-US" dirty="0"/>
-              <a:t>1/28/2022</a:t>
+              <a:t>2/17/2022</a:t>
             </a:fld>
             <a:endParaRPr lang="en-US" dirty="0"/>
           </a:p>
@@ -5139,7 +5139,7 @@
           <a:p>
             <a:fld id="{48A87A34-81AB-432B-8DAE-1953F412C126}" type="datetimeFigureOut">
               <a:rPr lang="en-US" dirty="0"/>
-              <a:t>1/28/2022</a:t>
+              <a:t>2/17/2022</a:t>
             </a:fld>
             <a:endParaRPr lang="en-US" dirty="0"/>
           </a:p>
@@ -5568,7 +5568,7 @@
           <a:p>
             <a:fld id="{48A87A34-81AB-432B-8DAE-1953F412C126}" type="datetimeFigureOut">
               <a:rPr lang="en-US" dirty="0"/>
-              <a:t>1/28/2022</a:t>
+              <a:t>2/17/2022</a:t>
             </a:fld>
             <a:endParaRPr lang="en-US" dirty="0"/>
           </a:p>
@@ -6109,7 +6109,7 @@
           <a:p>
             <a:fld id="{48A87A34-81AB-432B-8DAE-1953F412C126}" type="datetimeFigureOut">
               <a:rPr lang="en-US" dirty="0"/>
-              <a:t>1/28/2022</a:t>
+              <a:t>2/17/2022</a:t>
             </a:fld>
             <a:endParaRPr lang="en-US" dirty="0"/>
           </a:p>
@@ -6824,7 +6824,7 @@
           <a:p>
             <a:fld id="{48A87A34-81AB-432B-8DAE-1953F412C126}" type="datetimeFigureOut">
               <a:rPr lang="en-US" dirty="0"/>
-              <a:t>1/28/2022</a:t>
+              <a:t>2/17/2022</a:t>
             </a:fld>
             <a:endParaRPr lang="en-US" dirty="0"/>
           </a:p>
@@ -6989,7 +6989,7 @@
           <a:p>
             <a:fld id="{48A87A34-81AB-432B-8DAE-1953F412C126}" type="datetimeFigureOut">
               <a:rPr lang="en-US" dirty="0"/>
-              <a:t>1/28/2022</a:t>
+              <a:t>2/17/2022</a:t>
             </a:fld>
             <a:endParaRPr lang="en-US" dirty="0"/>
           </a:p>
@@ -7164,7 +7164,7 @@
           <a:p>
             <a:fld id="{48A87A34-81AB-432B-8DAE-1953F412C126}" type="datetimeFigureOut">
               <a:rPr lang="en-US" dirty="0"/>
-              <a:t>1/28/2022</a:t>
+              <a:t>2/17/2022</a:t>
             </a:fld>
             <a:endParaRPr lang="en-US" dirty="0"/>
           </a:p>
@@ -7329,7 +7329,7 @@
           <a:p>
             <a:fld id="{48A87A34-81AB-432B-8DAE-1953F412C126}" type="datetimeFigureOut">
               <a:rPr lang="en-US" dirty="0"/>
-              <a:t>1/28/2022</a:t>
+              <a:t>2/17/2022</a:t>
             </a:fld>
             <a:endParaRPr lang="en-US" dirty="0"/>
           </a:p>
@@ -7574,7 +7574,7 @@
           <a:p>
             <a:fld id="{48A87A34-81AB-432B-8DAE-1953F412C126}" type="datetimeFigureOut">
               <a:rPr lang="en-US" dirty="0"/>
-              <a:t>1/28/2022</a:t>
+              <a:t>2/17/2022</a:t>
             </a:fld>
             <a:endParaRPr lang="en-US" dirty="0"/>
           </a:p>
@@ -7801,7 +7801,7 @@
           <a:p>
             <a:fld id="{48A87A34-81AB-432B-8DAE-1953F412C126}" type="datetimeFigureOut">
               <a:rPr lang="en-US" dirty="0"/>
-              <a:t>1/28/2022</a:t>
+              <a:t>2/17/2022</a:t>
             </a:fld>
             <a:endParaRPr lang="en-US" dirty="0"/>
           </a:p>
@@ -8177,7 +8177,7 @@
           <a:p>
             <a:fld id="{48A87A34-81AB-432B-8DAE-1953F412C126}" type="datetimeFigureOut">
               <a:rPr lang="en-US" dirty="0"/>
-              <a:t>1/28/2022</a:t>
+              <a:t>2/17/2022</a:t>
             </a:fld>
             <a:endParaRPr lang="en-US" dirty="0"/>
           </a:p>
@@ -8290,7 +8290,7 @@
           <a:p>
             <a:fld id="{48A87A34-81AB-432B-8DAE-1953F412C126}" type="datetimeFigureOut">
               <a:rPr lang="en-US" dirty="0"/>
-              <a:t>1/28/2022</a:t>
+              <a:t>2/17/2022</a:t>
             </a:fld>
             <a:endParaRPr lang="en-US" dirty="0"/>
           </a:p>
@@ -8380,7 +8380,7 @@
           <a:p>
             <a:fld id="{48A87A34-81AB-432B-8DAE-1953F412C126}" type="datetimeFigureOut">
               <a:rPr lang="en-US" dirty="0"/>
-              <a:t>1/28/2022</a:t>
+              <a:t>2/17/2022</a:t>
             </a:fld>
             <a:endParaRPr lang="en-US" dirty="0"/>
           </a:p>
@@ -8624,7 +8624,7 @@
           <a:p>
             <a:fld id="{48A87A34-81AB-432B-8DAE-1953F412C126}" type="datetimeFigureOut">
               <a:rPr lang="en-US" dirty="0"/>
-              <a:t>1/28/2022</a:t>
+              <a:t>2/17/2022</a:t>
             </a:fld>
             <a:endParaRPr lang="en-US" dirty="0"/>
           </a:p>
@@ -8899,7 +8899,7 @@
           <a:p>
             <a:fld id="{48A87A34-81AB-432B-8DAE-1953F412C126}" type="datetimeFigureOut">
               <a:rPr lang="en-US" dirty="0"/>
-              <a:t>1/28/2022</a:t>
+              <a:t>2/17/2022</a:t>
             </a:fld>
             <a:endParaRPr lang="en-US" dirty="0"/>
           </a:p>
@@ -9010,7 +9010,7 @@
           <a:noFill/>
           <a:extLst>
             <a:ext uri="{909E8E84-426E-40dd-AFC4-6F175D3DCCD1}">
-              <a14:hiddenFill xmlns:a14="http://schemas.microsoft.com/office/drawing/2010/main" xmlns="">
+              <a14:hiddenFill xmlns="" xmlns:a14="http://schemas.microsoft.com/office/drawing/2010/main">
                 <a:solidFill>
                   <a:srgbClr val="FFFFFF"/>
                 </a:solidFill>
@@ -9084,7 +9084,7 @@
               </a:ln>
               <a:extLst>
                 <a:ext uri="{91240B29-F687-4f45-9708-019B960494DF}">
-                  <a14:hiddenLine xmlns:a14="http://schemas.microsoft.com/office/drawing/2010/main" xmlns="" w="9525">
+                  <a14:hiddenLine xmlns="" xmlns:a14="http://schemas.microsoft.com/office/drawing/2010/main" w="9525">
                     <a:solidFill>
                       <a:srgbClr val="000000"/>
                     </a:solidFill>
@@ -9174,7 +9174,7 @@
               </a:ln>
               <a:extLst>
                 <a:ext uri="{91240B29-F687-4f45-9708-019B960494DF}">
-                  <a14:hiddenLine xmlns:a14="http://schemas.microsoft.com/office/drawing/2010/main" xmlns="" w="9525">
+                  <a14:hiddenLine xmlns="" xmlns:a14="http://schemas.microsoft.com/office/drawing/2010/main" w="9525">
                     <a:solidFill>
                       <a:srgbClr val="000000"/>
                     </a:solidFill>
@@ -9264,7 +9264,7 @@
               </a:ln>
               <a:extLst>
                 <a:ext uri="{91240B29-F687-4f45-9708-019B960494DF}">
-                  <a14:hiddenLine xmlns:a14="http://schemas.microsoft.com/office/drawing/2010/main" xmlns="" w="9525">
+                  <a14:hiddenLine xmlns="" xmlns:a14="http://schemas.microsoft.com/office/drawing/2010/main" w="9525">
                     <a:solidFill>
                       <a:srgbClr val="000000"/>
                     </a:solidFill>
@@ -9326,7 +9326,7 @@
               </a:ln>
               <a:extLst>
                 <a:ext uri="{91240B29-F687-4f45-9708-019B960494DF}">
-                  <a14:hiddenLine xmlns:a14="http://schemas.microsoft.com/office/drawing/2010/main" xmlns="" w="9525">
+                  <a14:hiddenLine xmlns="" xmlns:a14="http://schemas.microsoft.com/office/drawing/2010/main" w="9525">
                     <a:solidFill>
                       <a:srgbClr val="000000"/>
                     </a:solidFill>
@@ -9416,7 +9416,7 @@
               </a:ln>
               <a:extLst>
                 <a:ext uri="{91240B29-F687-4f45-9708-019B960494DF}">
-                  <a14:hiddenLine xmlns:a14="http://schemas.microsoft.com/office/drawing/2010/main" xmlns="" w="9525">
+                  <a14:hiddenLine xmlns="" xmlns:a14="http://schemas.microsoft.com/office/drawing/2010/main" w="9525">
                     <a:solidFill>
                       <a:srgbClr val="000000"/>
                     </a:solidFill>
@@ -9478,7 +9478,7 @@
               </a:ln>
               <a:extLst>
                 <a:ext uri="{91240B29-F687-4f45-9708-019B960494DF}">
-                  <a14:hiddenLine xmlns:a14="http://schemas.microsoft.com/office/drawing/2010/main" xmlns="" w="9525">
+                  <a14:hiddenLine xmlns="" xmlns:a14="http://schemas.microsoft.com/office/drawing/2010/main" w="9525">
                     <a:solidFill>
                       <a:srgbClr val="000000"/>
                     </a:solidFill>
@@ -9540,7 +9540,7 @@
               </a:ln>
               <a:extLst>
                 <a:ext uri="{91240B29-F687-4f45-9708-019B960494DF}">
-                  <a14:hiddenLine xmlns:a14="http://schemas.microsoft.com/office/drawing/2010/main" xmlns="" w="9525">
+                  <a14:hiddenLine xmlns="" xmlns:a14="http://schemas.microsoft.com/office/drawing/2010/main" w="9525">
                     <a:solidFill>
                       <a:srgbClr val="000000"/>
                     </a:solidFill>
@@ -9630,7 +9630,7 @@
               </a:ln>
               <a:extLst>
                 <a:ext uri="{91240B29-F687-4f45-9708-019B960494DF}">
-                  <a14:hiddenLine xmlns:a14="http://schemas.microsoft.com/office/drawing/2010/main" xmlns="" w="9525">
+                  <a14:hiddenLine xmlns="" xmlns:a14="http://schemas.microsoft.com/office/drawing/2010/main" w="9525">
                     <a:solidFill>
                       <a:srgbClr val="000000"/>
                     </a:solidFill>
@@ -9720,7 +9720,7 @@
               </a:ln>
               <a:extLst>
                 <a:ext uri="{91240B29-F687-4f45-9708-019B960494DF}">
-                  <a14:hiddenLine xmlns:a14="http://schemas.microsoft.com/office/drawing/2010/main" xmlns="" w="9525">
+                  <a14:hiddenLine xmlns="" xmlns:a14="http://schemas.microsoft.com/office/drawing/2010/main" w="9525">
                     <a:solidFill>
                       <a:srgbClr val="000000"/>
                     </a:solidFill>
@@ -9782,7 +9782,7 @@
               </a:ln>
               <a:extLst>
                 <a:ext uri="{91240B29-F687-4f45-9708-019B960494DF}">
-                  <a14:hiddenLine xmlns:a14="http://schemas.microsoft.com/office/drawing/2010/main" xmlns="" w="9525">
+                  <a14:hiddenLine xmlns="" xmlns:a14="http://schemas.microsoft.com/office/drawing/2010/main" w="9525">
                     <a:solidFill>
                       <a:srgbClr val="000000"/>
                     </a:solidFill>
@@ -9892,7 +9892,7 @@
               </a:ln>
               <a:extLst>
                 <a:ext uri="{91240B29-F687-4f45-9708-019B960494DF}">
-                  <a14:hiddenLine xmlns:a14="http://schemas.microsoft.com/office/drawing/2010/main" xmlns="" w="9525">
+                  <a14:hiddenLine xmlns="" xmlns:a14="http://schemas.microsoft.com/office/drawing/2010/main" w="9525">
                     <a:solidFill>
                       <a:srgbClr val="000000"/>
                     </a:solidFill>
@@ -9976,7 +9976,7 @@
               </a:ln>
               <a:extLst>
                 <a:ext uri="{91240B29-F687-4f45-9708-019B960494DF}">
-                  <a14:hiddenLine xmlns:a14="http://schemas.microsoft.com/office/drawing/2010/main" xmlns="" w="9525">
+                  <a14:hiddenLine xmlns="" xmlns:a14="http://schemas.microsoft.com/office/drawing/2010/main" w="9525">
                     <a:solidFill>
                       <a:srgbClr val="000000"/>
                     </a:solidFill>
@@ -10038,7 +10038,7 @@
               </a:ln>
               <a:extLst>
                 <a:ext uri="{91240B29-F687-4f45-9708-019B960494DF}">
-                  <a14:hiddenLine xmlns:a14="http://schemas.microsoft.com/office/drawing/2010/main" xmlns="" w="9525">
+                  <a14:hiddenLine xmlns="" xmlns:a14="http://schemas.microsoft.com/office/drawing/2010/main" w="9525">
                     <a:solidFill>
                       <a:srgbClr val="000000"/>
                     </a:solidFill>
@@ -10100,7 +10100,7 @@
               </a:ln>
               <a:extLst>
                 <a:ext uri="{91240B29-F687-4f45-9708-019B960494DF}">
-                  <a14:hiddenLine xmlns:a14="http://schemas.microsoft.com/office/drawing/2010/main" xmlns="" w="9525">
+                  <a14:hiddenLine xmlns="" xmlns:a14="http://schemas.microsoft.com/office/drawing/2010/main" w="9525">
                     <a:solidFill>
                       <a:srgbClr val="000000"/>
                     </a:solidFill>
@@ -10190,7 +10190,7 @@
               </a:ln>
               <a:extLst>
                 <a:ext uri="{91240B29-F687-4f45-9708-019B960494DF}">
-                  <a14:hiddenLine xmlns:a14="http://schemas.microsoft.com/office/drawing/2010/main" xmlns="" w="9525">
+                  <a14:hiddenLine xmlns="" xmlns:a14="http://schemas.microsoft.com/office/drawing/2010/main" w="9525">
                     <a:solidFill>
                       <a:srgbClr val="000000"/>
                     </a:solidFill>
@@ -10224,7 +10224,7 @@
               </a:ln>
               <a:extLst>
                 <a:ext uri="{91240B29-F687-4f45-9708-019B960494DF}">
-                  <a14:hiddenLine xmlns:a14="http://schemas.microsoft.com/office/drawing/2010/main" xmlns="" w="9525">
+                  <a14:hiddenLine xmlns="" xmlns:a14="http://schemas.microsoft.com/office/drawing/2010/main" w="9525">
                     <a:solidFill>
                       <a:srgbClr val="000000"/>
                     </a:solidFill>
@@ -10289,7 +10289,7 @@
               </a:ln>
               <a:extLst>
                 <a:ext uri="{91240B29-F687-4f45-9708-019B960494DF}">
-                  <a14:hiddenLine xmlns:a14="http://schemas.microsoft.com/office/drawing/2010/main" xmlns="" w="9525">
+                  <a14:hiddenLine xmlns="" xmlns:a14="http://schemas.microsoft.com/office/drawing/2010/main" w="9525">
                     <a:solidFill>
                       <a:srgbClr val="000000"/>
                     </a:solidFill>
@@ -10379,7 +10379,7 @@
               </a:ln>
               <a:extLst>
                 <a:ext uri="{91240B29-F687-4f45-9708-019B960494DF}">
-                  <a14:hiddenLine xmlns:a14="http://schemas.microsoft.com/office/drawing/2010/main" xmlns="" w="9525">
+                  <a14:hiddenLine xmlns="" xmlns:a14="http://schemas.microsoft.com/office/drawing/2010/main" w="9525">
                     <a:solidFill>
                       <a:srgbClr val="000000"/>
                     </a:solidFill>
@@ -10441,7 +10441,7 @@
               </a:ln>
               <a:extLst>
                 <a:ext uri="{91240B29-F687-4f45-9708-019B960494DF}">
-                  <a14:hiddenLine xmlns:a14="http://schemas.microsoft.com/office/drawing/2010/main" xmlns="" w="9525">
+                  <a14:hiddenLine xmlns="" xmlns:a14="http://schemas.microsoft.com/office/drawing/2010/main" w="9525">
                     <a:solidFill>
                       <a:srgbClr val="000000"/>
                     </a:solidFill>
@@ -10531,7 +10531,7 @@
               </a:ln>
               <a:extLst>
                 <a:ext uri="{91240B29-F687-4f45-9708-019B960494DF}">
-                  <a14:hiddenLine xmlns:a14="http://schemas.microsoft.com/office/drawing/2010/main" xmlns="" w="9525">
+                  <a14:hiddenLine xmlns="" xmlns:a14="http://schemas.microsoft.com/office/drawing/2010/main" w="9525">
                     <a:solidFill>
                       <a:srgbClr val="000000"/>
                     </a:solidFill>
@@ -10596,7 +10596,7 @@
               </a:ln>
               <a:extLst>
                 <a:ext uri="{91240B29-F687-4f45-9708-019B960494DF}">
-                  <a14:hiddenLine xmlns:a14="http://schemas.microsoft.com/office/drawing/2010/main" xmlns="" w="9525">
+                  <a14:hiddenLine xmlns="" xmlns:a14="http://schemas.microsoft.com/office/drawing/2010/main" w="9525">
                     <a:solidFill>
                       <a:srgbClr val="000000"/>
                     </a:solidFill>
@@ -10658,7 +10658,7 @@
               </a:ln>
               <a:extLst>
                 <a:ext uri="{91240B29-F687-4f45-9708-019B960494DF}">
-                  <a14:hiddenLine xmlns:a14="http://schemas.microsoft.com/office/drawing/2010/main" xmlns="" w="9525">
+                  <a14:hiddenLine xmlns="" xmlns:a14="http://schemas.microsoft.com/office/drawing/2010/main" w="9525">
                     <a:solidFill>
                       <a:srgbClr val="000000"/>
                     </a:solidFill>
@@ -10748,7 +10748,7 @@
               </a:ln>
               <a:extLst>
                 <a:ext uri="{91240B29-F687-4f45-9708-019B960494DF}">
-                  <a14:hiddenLine xmlns:a14="http://schemas.microsoft.com/office/drawing/2010/main" xmlns="" w="9525">
+                  <a14:hiddenLine xmlns="" xmlns:a14="http://schemas.microsoft.com/office/drawing/2010/main" w="9525">
                     <a:solidFill>
                       <a:srgbClr val="000000"/>
                     </a:solidFill>
@@ -10838,7 +10838,7 @@
               </a:ln>
               <a:extLst>
                 <a:ext uri="{91240B29-F687-4f45-9708-019B960494DF}">
-                  <a14:hiddenLine xmlns:a14="http://schemas.microsoft.com/office/drawing/2010/main" xmlns="" w="9525">
+                  <a14:hiddenLine xmlns="" xmlns:a14="http://schemas.microsoft.com/office/drawing/2010/main" w="9525">
                     <a:solidFill>
                       <a:srgbClr val="000000"/>
                     </a:solidFill>
@@ -10903,7 +10903,7 @@
               </a:ln>
               <a:extLst>
                 <a:ext uri="{91240B29-F687-4f45-9708-019B960494DF}">
-                  <a14:hiddenLine xmlns:a14="http://schemas.microsoft.com/office/drawing/2010/main" xmlns="" w="9525">
+                  <a14:hiddenLine xmlns="" xmlns:a14="http://schemas.microsoft.com/office/drawing/2010/main" w="9525">
                     <a:solidFill>
                       <a:srgbClr val="000000"/>
                     </a:solidFill>
@@ -11023,7 +11023,7 @@
               </a:ln>
               <a:extLst>
                 <a:ext uri="{91240B29-F687-4f45-9708-019B960494DF}">
-                  <a14:hiddenLine xmlns:a14="http://schemas.microsoft.com/office/drawing/2010/main" xmlns="" w="9525">
+                  <a14:hiddenLine xmlns="" xmlns:a14="http://schemas.microsoft.com/office/drawing/2010/main" w="9525">
                     <a:solidFill>
                       <a:srgbClr val="000000"/>
                     </a:solidFill>
@@ -11121,7 +11121,7 @@
               </a:ln>
               <a:extLst>
                 <a:ext uri="{91240B29-F687-4f45-9708-019B960494DF}">
-                  <a14:hiddenLine xmlns:a14="http://schemas.microsoft.com/office/drawing/2010/main" xmlns="" w="9525">
+                  <a14:hiddenLine xmlns="" xmlns:a14="http://schemas.microsoft.com/office/drawing/2010/main" w="9525">
                     <a:solidFill>
                       <a:srgbClr val="000000"/>
                     </a:solidFill>
@@ -11236,7 +11236,7 @@
               </a:ln>
               <a:extLst>
                 <a:ext uri="{91240B29-F687-4f45-9708-019B960494DF}">
-                  <a14:hiddenLine xmlns:a14="http://schemas.microsoft.com/office/drawing/2010/main" xmlns="" w="9525">
+                  <a14:hiddenLine xmlns="" xmlns:a14="http://schemas.microsoft.com/office/drawing/2010/main" w="9525">
                     <a:solidFill>
                       <a:srgbClr val="000000"/>
                     </a:solidFill>
@@ -11326,7 +11326,7 @@
               </a:ln>
               <a:extLst>
                 <a:ext uri="{91240B29-F687-4f45-9708-019B960494DF}">
-                  <a14:hiddenLine xmlns:a14="http://schemas.microsoft.com/office/drawing/2010/main" xmlns="" w="9525">
+                  <a14:hiddenLine xmlns="" xmlns:a14="http://schemas.microsoft.com/office/drawing/2010/main" w="9525">
                     <a:solidFill>
                       <a:srgbClr val="000000"/>
                     </a:solidFill>
@@ -11391,7 +11391,7 @@
               </a:ln>
               <a:extLst>
                 <a:ext uri="{91240B29-F687-4f45-9708-019B960494DF}">
-                  <a14:hiddenLine xmlns:a14="http://schemas.microsoft.com/office/drawing/2010/main" xmlns="" w="9525">
+                  <a14:hiddenLine xmlns="" xmlns:a14="http://schemas.microsoft.com/office/drawing/2010/main" w="9525">
                     <a:solidFill>
                       <a:srgbClr val="000000"/>
                     </a:solidFill>
@@ -11481,7 +11481,7 @@
               </a:ln>
               <a:extLst>
                 <a:ext uri="{91240B29-F687-4f45-9708-019B960494DF}">
-                  <a14:hiddenLine xmlns:a14="http://schemas.microsoft.com/office/drawing/2010/main" xmlns="" w="9525">
+                  <a14:hiddenLine xmlns="" xmlns:a14="http://schemas.microsoft.com/office/drawing/2010/main" w="9525">
                     <a:solidFill>
                       <a:srgbClr val="000000"/>
                     </a:solidFill>
@@ -11549,7 +11549,7 @@
               </a:ln>
               <a:extLst>
                 <a:ext uri="{91240B29-F687-4f45-9708-019B960494DF}">
-                  <a14:hiddenLine xmlns:a14="http://schemas.microsoft.com/office/drawing/2010/main" xmlns="" w="9525">
+                  <a14:hiddenLine xmlns="" xmlns:a14="http://schemas.microsoft.com/office/drawing/2010/main" w="9525">
                     <a:solidFill>
                       <a:srgbClr val="000000"/>
                     </a:solidFill>
@@ -11639,7 +11639,7 @@
               </a:ln>
               <a:extLst>
                 <a:ext uri="{91240B29-F687-4f45-9708-019B960494DF}">
-                  <a14:hiddenLine xmlns:a14="http://schemas.microsoft.com/office/drawing/2010/main" xmlns="" w="9525">
+                  <a14:hiddenLine xmlns="" xmlns:a14="http://schemas.microsoft.com/office/drawing/2010/main" w="9525">
                     <a:solidFill>
                       <a:srgbClr val="000000"/>
                     </a:solidFill>
@@ -11707,7 +11707,7 @@
               </a:ln>
               <a:extLst>
                 <a:ext uri="{91240B29-F687-4f45-9708-019B960494DF}">
-                  <a14:hiddenLine xmlns:a14="http://schemas.microsoft.com/office/drawing/2010/main" xmlns="" w="9525">
+                  <a14:hiddenLine xmlns="" xmlns:a14="http://schemas.microsoft.com/office/drawing/2010/main" w="9525">
                     <a:solidFill>
                       <a:srgbClr val="000000"/>
                     </a:solidFill>
@@ -11797,7 +11797,7 @@
               </a:ln>
               <a:extLst>
                 <a:ext uri="{91240B29-F687-4f45-9708-019B960494DF}">
-                  <a14:hiddenLine xmlns:a14="http://schemas.microsoft.com/office/drawing/2010/main" xmlns="" w="9525">
+                  <a14:hiddenLine xmlns="" xmlns:a14="http://schemas.microsoft.com/office/drawing/2010/main" w="9525">
                     <a:solidFill>
                       <a:srgbClr val="000000"/>
                     </a:solidFill>
@@ -11831,7 +11831,7 @@
               </a:ln>
               <a:extLst>
                 <a:ext uri="{91240B29-F687-4f45-9708-019B960494DF}">
-                  <a14:hiddenLine xmlns:a14="http://schemas.microsoft.com/office/drawing/2010/main" xmlns="" w="9525">
+                  <a14:hiddenLine xmlns="" xmlns:a14="http://schemas.microsoft.com/office/drawing/2010/main" w="9525">
                     <a:solidFill>
                       <a:srgbClr val="000000"/>
                     </a:solidFill>
@@ -11972,7 +11972,7 @@
             <a:fld id="{48A87A34-81AB-432B-8DAE-1953F412C126}" type="datetimeFigureOut">
               <a:rPr lang="en-US" dirty="0"/>
               <a:pPr/>
-              <a:t>1/28/2022</a:t>
+              <a:t>2/17/2022</a:t>
             </a:fld>
             <a:endParaRPr lang="en-US" dirty="0"/>
           </a:p>
@@ -12476,8 +12476,12 @@
           <a:lstStyle/>
           <a:p>
             <a:r>
+              <a:rPr lang="hu-HU"/>
+              <a:t>2022 02.19 </a:t>
+            </a:r>
+            <a:r>
               <a:rPr lang="hu-HU" dirty="0"/>
-              <a:t>2022 01.19 - </a:t>
+              <a:t>- </a:t>
             </a:r>
             <a:r>
               <a:rPr lang="hu-HU" dirty="0" err="1"/>
